--- a/常用算法模板/KMP/KMP图示.pptx
+++ b/常用算法模板/KMP/KMP图示.pptx
@@ -12,6 +12,8 @@
     <p:sldId id="261" r:id="rId6"/>
     <p:sldId id="262" r:id="rId7"/>
     <p:sldId id="263" r:id="rId8"/>
+    <p:sldId id="264" r:id="rId9"/>
+    <p:sldId id="265" r:id="rId10"/>
   </p:sldIdLst>
   <p:sldSz cx="12192000" cy="6858000"/>
   <p:notesSz cx="6858000" cy="9144000"/>
@@ -265,7 +267,7 @@
           <a:p>
             <a:fld id="{8E11AADC-FCA0-4E42-BA4C-3B8B8EBBD173}" type="datetimeFigureOut">
               <a:rPr kumimoji="1" lang="zh-CN" altLang="en-US" smtClean="0"/>
-              <a:t>2021/7/30</a:t>
+              <a:t>2021/8/6</a:t>
             </a:fld>
             <a:endParaRPr kumimoji="1" lang="zh-CN" altLang="en-US"/>
           </a:p>
@@ -463,7 +465,7 @@
           <a:p>
             <a:fld id="{8E11AADC-FCA0-4E42-BA4C-3B8B8EBBD173}" type="datetimeFigureOut">
               <a:rPr kumimoji="1" lang="zh-CN" altLang="en-US" smtClean="0"/>
-              <a:t>2021/7/30</a:t>
+              <a:t>2021/8/6</a:t>
             </a:fld>
             <a:endParaRPr kumimoji="1" lang="zh-CN" altLang="en-US"/>
           </a:p>
@@ -671,7 +673,7 @@
           <a:p>
             <a:fld id="{8E11AADC-FCA0-4E42-BA4C-3B8B8EBBD173}" type="datetimeFigureOut">
               <a:rPr kumimoji="1" lang="zh-CN" altLang="en-US" smtClean="0"/>
-              <a:t>2021/7/30</a:t>
+              <a:t>2021/8/6</a:t>
             </a:fld>
             <a:endParaRPr kumimoji="1" lang="zh-CN" altLang="en-US"/>
           </a:p>
@@ -869,7 +871,7 @@
           <a:p>
             <a:fld id="{8E11AADC-FCA0-4E42-BA4C-3B8B8EBBD173}" type="datetimeFigureOut">
               <a:rPr kumimoji="1" lang="zh-CN" altLang="en-US" smtClean="0"/>
-              <a:t>2021/7/30</a:t>
+              <a:t>2021/8/6</a:t>
             </a:fld>
             <a:endParaRPr kumimoji="1" lang="zh-CN" altLang="en-US"/>
           </a:p>
@@ -1144,7 +1146,7 @@
           <a:p>
             <a:fld id="{8E11AADC-FCA0-4E42-BA4C-3B8B8EBBD173}" type="datetimeFigureOut">
               <a:rPr kumimoji="1" lang="zh-CN" altLang="en-US" smtClean="0"/>
-              <a:t>2021/7/30</a:t>
+              <a:t>2021/8/6</a:t>
             </a:fld>
             <a:endParaRPr kumimoji="1" lang="zh-CN" altLang="en-US"/>
           </a:p>
@@ -1409,7 +1411,7 @@
           <a:p>
             <a:fld id="{8E11AADC-FCA0-4E42-BA4C-3B8B8EBBD173}" type="datetimeFigureOut">
               <a:rPr kumimoji="1" lang="zh-CN" altLang="en-US" smtClean="0"/>
-              <a:t>2021/7/30</a:t>
+              <a:t>2021/8/6</a:t>
             </a:fld>
             <a:endParaRPr kumimoji="1" lang="zh-CN" altLang="en-US"/>
           </a:p>
@@ -1821,7 +1823,7 @@
           <a:p>
             <a:fld id="{8E11AADC-FCA0-4E42-BA4C-3B8B8EBBD173}" type="datetimeFigureOut">
               <a:rPr kumimoji="1" lang="zh-CN" altLang="en-US" smtClean="0"/>
-              <a:t>2021/7/30</a:t>
+              <a:t>2021/8/6</a:t>
             </a:fld>
             <a:endParaRPr kumimoji="1" lang="zh-CN" altLang="en-US"/>
           </a:p>
@@ -1962,7 +1964,7 @@
           <a:p>
             <a:fld id="{8E11AADC-FCA0-4E42-BA4C-3B8B8EBBD173}" type="datetimeFigureOut">
               <a:rPr kumimoji="1" lang="zh-CN" altLang="en-US" smtClean="0"/>
-              <a:t>2021/7/30</a:t>
+              <a:t>2021/8/6</a:t>
             </a:fld>
             <a:endParaRPr kumimoji="1" lang="zh-CN" altLang="en-US"/>
           </a:p>
@@ -2075,7 +2077,7 @@
           <a:p>
             <a:fld id="{8E11AADC-FCA0-4E42-BA4C-3B8B8EBBD173}" type="datetimeFigureOut">
               <a:rPr kumimoji="1" lang="zh-CN" altLang="en-US" smtClean="0"/>
-              <a:t>2021/7/30</a:t>
+              <a:t>2021/8/6</a:t>
             </a:fld>
             <a:endParaRPr kumimoji="1" lang="zh-CN" altLang="en-US"/>
           </a:p>
@@ -2386,7 +2388,7 @@
           <a:p>
             <a:fld id="{8E11AADC-FCA0-4E42-BA4C-3B8B8EBBD173}" type="datetimeFigureOut">
               <a:rPr kumimoji="1" lang="zh-CN" altLang="en-US" smtClean="0"/>
-              <a:t>2021/7/30</a:t>
+              <a:t>2021/8/6</a:t>
             </a:fld>
             <a:endParaRPr kumimoji="1" lang="zh-CN" altLang="en-US"/>
           </a:p>
@@ -2674,7 +2676,7 @@
           <a:p>
             <a:fld id="{8E11AADC-FCA0-4E42-BA4C-3B8B8EBBD173}" type="datetimeFigureOut">
               <a:rPr kumimoji="1" lang="zh-CN" altLang="en-US" smtClean="0"/>
-              <a:t>2021/7/30</a:t>
+              <a:t>2021/8/6</a:t>
             </a:fld>
             <a:endParaRPr kumimoji="1" lang="zh-CN" altLang="en-US"/>
           </a:p>
@@ -2915,7 +2917,7 @@
           <a:p>
             <a:fld id="{8E11AADC-FCA0-4E42-BA4C-3B8B8EBBD173}" type="datetimeFigureOut">
               <a:rPr kumimoji="1" lang="zh-CN" altLang="en-US" smtClean="0"/>
-              <a:t>2021/7/30</a:t>
+              <a:t>2021/8/6</a:t>
             </a:fld>
             <a:endParaRPr kumimoji="1" lang="zh-CN" altLang="en-US"/>
           </a:p>
@@ -37528,6 +37530,3753 @@
 </p:sld>
 </file>
 
+<file path=ppt/slides/slide8.xml><?xml version="1.0" encoding="utf-8"?>
+<p:sld xmlns:a="http://schemas.openxmlformats.org/drawingml/2006/main" xmlns:r="http://schemas.openxmlformats.org/officeDocument/2006/relationships" xmlns:p="http://schemas.openxmlformats.org/presentationml/2006/main">
+  <p:cSld>
+    <p:spTree>
+      <p:nvGrpSpPr>
+        <p:cNvPr id="1" name=""/>
+        <p:cNvGrpSpPr/>
+        <p:nvPr/>
+      </p:nvGrpSpPr>
+      <p:grpSpPr>
+        <a:xfrm>
+          <a:off x="0" y="0"/>
+          <a:ext cx="0" cy="0"/>
+          <a:chOff x="0" y="0"/>
+          <a:chExt cx="0" cy="0"/>
+        </a:xfrm>
+      </p:grpSpPr>
+      <p:graphicFrame>
+        <p:nvGraphicFramePr>
+          <p:cNvPr id="2" name="表格 2">
+            <a:extLst>
+              <a:ext uri="{FF2B5EF4-FFF2-40B4-BE49-F238E27FC236}">
+                <a16:creationId xmlns:a16="http://schemas.microsoft.com/office/drawing/2014/main" id="{C9A1FBCB-656F-804E-B1A7-190F308AE30B}"/>
+              </a:ext>
+            </a:extLst>
+          </p:cNvPr>
+          <p:cNvGraphicFramePr>
+            <a:graphicFrameLocks noGrp="1"/>
+          </p:cNvGraphicFramePr>
+          <p:nvPr>
+            <p:extLst>
+              <p:ext uri="{D42A27DB-BD31-4B8C-83A1-F6EECF244321}">
+                <p14:modId xmlns:p14="http://schemas.microsoft.com/office/powerpoint/2010/main" val="3559038483"/>
+              </p:ext>
+            </p:extLst>
+          </p:nvPr>
+        </p:nvGraphicFramePr>
+        <p:xfrm>
+          <a:off x="4389460" y="1186940"/>
+          <a:ext cx="4859640" cy="370840"/>
+        </p:xfrm>
+        <a:graphic>
+          <a:graphicData uri="http://schemas.openxmlformats.org/drawingml/2006/table">
+            <a:tbl>
+              <a:tblPr firstRow="1" bandRow="1">
+                <a:tableStyleId>{21E4AEA4-8DFA-4A89-87EB-49C32662AFE0}</a:tableStyleId>
+              </a:tblPr>
+              <a:tblGrid>
+                <a:gridCol w="809940">
+                  <a:extLst>
+                    <a:ext uri="{9D8B030D-6E8A-4147-A177-3AD203B41FA5}">
+                      <a16:colId xmlns:a16="http://schemas.microsoft.com/office/drawing/2014/main" val="28619434"/>
+                    </a:ext>
+                  </a:extLst>
+                </a:gridCol>
+                <a:gridCol w="809940">
+                  <a:extLst>
+                    <a:ext uri="{9D8B030D-6E8A-4147-A177-3AD203B41FA5}">
+                      <a16:colId xmlns:a16="http://schemas.microsoft.com/office/drawing/2014/main" val="1419486052"/>
+                    </a:ext>
+                  </a:extLst>
+                </a:gridCol>
+                <a:gridCol w="809940">
+                  <a:extLst>
+                    <a:ext uri="{9D8B030D-6E8A-4147-A177-3AD203B41FA5}">
+                      <a16:colId xmlns:a16="http://schemas.microsoft.com/office/drawing/2014/main" val="3893012179"/>
+                    </a:ext>
+                  </a:extLst>
+                </a:gridCol>
+                <a:gridCol w="809940">
+                  <a:extLst>
+                    <a:ext uri="{9D8B030D-6E8A-4147-A177-3AD203B41FA5}">
+                      <a16:colId xmlns:a16="http://schemas.microsoft.com/office/drawing/2014/main" val="2189662055"/>
+                    </a:ext>
+                  </a:extLst>
+                </a:gridCol>
+                <a:gridCol w="809940">
+                  <a:extLst>
+                    <a:ext uri="{9D8B030D-6E8A-4147-A177-3AD203B41FA5}">
+                      <a16:colId xmlns:a16="http://schemas.microsoft.com/office/drawing/2014/main" val="1495378164"/>
+                    </a:ext>
+                  </a:extLst>
+                </a:gridCol>
+                <a:gridCol w="809940">
+                  <a:extLst>
+                    <a:ext uri="{9D8B030D-6E8A-4147-A177-3AD203B41FA5}">
+                      <a16:colId xmlns:a16="http://schemas.microsoft.com/office/drawing/2014/main" val="2949065674"/>
+                    </a:ext>
+                  </a:extLst>
+                </a:gridCol>
+              </a:tblGrid>
+              <a:tr h="370840">
+                <a:tc>
+                  <a:txBody>
+                    <a:bodyPr/>
+                    <a:lstStyle/>
+                    <a:p>
+                      <a:pPr algn="ctr"/>
+                      <a:r>
+                        <a:rPr lang="en-US" altLang="zh-CN" dirty="0">
+                          <a:solidFill>
+                            <a:schemeClr val="tx1"/>
+                          </a:solidFill>
+                        </a:rPr>
+                        <a:t>0</a:t>
+                      </a:r>
+                      <a:endParaRPr lang="zh-CN" altLang="en-US" dirty="0">
+                        <a:solidFill>
+                          <a:schemeClr val="tx1"/>
+                        </a:solidFill>
+                      </a:endParaRPr>
+                    </a:p>
+                  </a:txBody>
+                  <a:tcPr>
+                    <a:solidFill>
+                      <a:schemeClr val="accent2"/>
+                    </a:solidFill>
+                  </a:tcPr>
+                </a:tc>
+                <a:tc>
+                  <a:txBody>
+                    <a:bodyPr/>
+                    <a:lstStyle/>
+                    <a:p>
+                      <a:pPr algn="ctr"/>
+                      <a:r>
+                        <a:rPr lang="en-US" altLang="zh-CN" dirty="0">
+                          <a:solidFill>
+                            <a:schemeClr val="tx1"/>
+                          </a:solidFill>
+                        </a:rPr>
+                        <a:t>1</a:t>
+                      </a:r>
+                      <a:endParaRPr lang="zh-CN" altLang="en-US" dirty="0">
+                        <a:solidFill>
+                          <a:schemeClr val="tx1"/>
+                        </a:solidFill>
+                      </a:endParaRPr>
+                    </a:p>
+                  </a:txBody>
+                  <a:tcPr>
+                    <a:solidFill>
+                      <a:schemeClr val="accent6"/>
+                    </a:solidFill>
+                  </a:tcPr>
+                </a:tc>
+                <a:tc>
+                  <a:txBody>
+                    <a:bodyPr/>
+                    <a:lstStyle/>
+                    <a:p>
+                      <a:pPr algn="ctr"/>
+                      <a:r>
+                        <a:rPr lang="en-US" altLang="zh-CN" dirty="0">
+                          <a:solidFill>
+                            <a:schemeClr val="tx1"/>
+                          </a:solidFill>
+                        </a:rPr>
+                        <a:t>2</a:t>
+                      </a:r>
+                      <a:endParaRPr lang="zh-CN" altLang="en-US" dirty="0">
+                        <a:solidFill>
+                          <a:schemeClr val="tx1"/>
+                        </a:solidFill>
+                      </a:endParaRPr>
+                    </a:p>
+                  </a:txBody>
+                  <a:tcPr>
+                    <a:solidFill>
+                      <a:schemeClr val="accent6"/>
+                    </a:solidFill>
+                  </a:tcPr>
+                </a:tc>
+                <a:tc>
+                  <a:txBody>
+                    <a:bodyPr/>
+                    <a:lstStyle/>
+                    <a:p>
+                      <a:pPr algn="ctr"/>
+                      <a:r>
+                        <a:rPr lang="en-US" altLang="zh-CN" dirty="0">
+                          <a:solidFill>
+                            <a:schemeClr val="tx1"/>
+                          </a:solidFill>
+                        </a:rPr>
+                        <a:t>3</a:t>
+                      </a:r>
+                      <a:endParaRPr lang="zh-CN" altLang="en-US" dirty="0">
+                        <a:solidFill>
+                          <a:schemeClr val="tx1"/>
+                        </a:solidFill>
+                      </a:endParaRPr>
+                    </a:p>
+                  </a:txBody>
+                  <a:tcPr>
+                    <a:solidFill>
+                      <a:schemeClr val="accent6"/>
+                    </a:solidFill>
+                  </a:tcPr>
+                </a:tc>
+                <a:tc>
+                  <a:txBody>
+                    <a:bodyPr/>
+                    <a:lstStyle/>
+                    <a:p>
+                      <a:pPr algn="ctr"/>
+                      <a:r>
+                        <a:rPr lang="en-US" altLang="zh-CN" dirty="0">
+                          <a:solidFill>
+                            <a:schemeClr val="tx1"/>
+                          </a:solidFill>
+                        </a:rPr>
+                        <a:t>4</a:t>
+                      </a:r>
+                      <a:endParaRPr lang="zh-CN" altLang="en-US" dirty="0">
+                        <a:solidFill>
+                          <a:schemeClr val="tx1"/>
+                        </a:solidFill>
+                      </a:endParaRPr>
+                    </a:p>
+                  </a:txBody>
+                  <a:tcPr>
+                    <a:solidFill>
+                      <a:schemeClr val="accent6"/>
+                    </a:solidFill>
+                  </a:tcPr>
+                </a:tc>
+                <a:tc>
+                  <a:txBody>
+                    <a:bodyPr/>
+                    <a:lstStyle/>
+                    <a:p>
+                      <a:pPr algn="ctr"/>
+                      <a:r>
+                        <a:rPr lang="en-US" altLang="zh-CN" dirty="0">
+                          <a:solidFill>
+                            <a:schemeClr val="tx1"/>
+                          </a:solidFill>
+                        </a:rPr>
+                        <a:t>5</a:t>
+                      </a:r>
+                      <a:endParaRPr lang="zh-CN" altLang="en-US" dirty="0">
+                        <a:solidFill>
+                          <a:schemeClr val="tx1"/>
+                        </a:solidFill>
+                      </a:endParaRPr>
+                    </a:p>
+                  </a:txBody>
+                  <a:tcPr>
+                    <a:solidFill>
+                      <a:schemeClr val="accent6"/>
+                    </a:solidFill>
+                  </a:tcPr>
+                </a:tc>
+                <a:extLst>
+                  <a:ext uri="{0D108BD9-81ED-4DB2-BD59-A6C34878D82A}">
+                    <a16:rowId xmlns:a16="http://schemas.microsoft.com/office/drawing/2014/main" val="264992108"/>
+                  </a:ext>
+                </a:extLst>
+              </a:tr>
+            </a:tbl>
+          </a:graphicData>
+        </a:graphic>
+      </p:graphicFrame>
+      <p:sp>
+        <p:nvSpPr>
+          <p:cNvPr id="3" name="矩形 2">
+            <a:extLst>
+              <a:ext uri="{FF2B5EF4-FFF2-40B4-BE49-F238E27FC236}">
+                <a16:creationId xmlns:a16="http://schemas.microsoft.com/office/drawing/2014/main" id="{5B96DCF1-6805-5749-8607-47C1A1DB05A3}"/>
+              </a:ext>
+            </a:extLst>
+          </p:cNvPr>
+          <p:cNvSpPr/>
+          <p:nvPr/>
+        </p:nvSpPr>
+        <p:spPr>
+          <a:xfrm>
+            <a:off x="3927064" y="1188448"/>
+            <a:ext cx="279244" cy="369332"/>
+          </a:xfrm>
+          <a:prstGeom prst="rect">
+            <a:avLst/>
+          </a:prstGeom>
+        </p:spPr>
+        <p:txBody>
+          <a:bodyPr wrap="none">
+            <a:spAutoFit/>
+          </a:bodyPr>
+          <a:lstStyle/>
+          <a:p>
+            <a:r>
+              <a:rPr lang="en" altLang="zh-CN" dirty="0"/>
+              <a:t>s</a:t>
+            </a:r>
+            <a:endParaRPr lang="zh-CN" altLang="en-US" dirty="0"/>
+          </a:p>
+        </p:txBody>
+      </p:sp>
+      <p:sp>
+        <p:nvSpPr>
+          <p:cNvPr id="4" name="右大括号 3">
+            <a:extLst>
+              <a:ext uri="{FF2B5EF4-FFF2-40B4-BE49-F238E27FC236}">
+                <a16:creationId xmlns:a16="http://schemas.microsoft.com/office/drawing/2014/main" id="{518510B5-D38D-EF4D-A465-35E5606C2F59}"/>
+              </a:ext>
+            </a:extLst>
+          </p:cNvPr>
+          <p:cNvSpPr/>
+          <p:nvPr/>
+        </p:nvSpPr>
+        <p:spPr>
+          <a:xfrm rot="16200000">
+            <a:off x="7021566" y="-1040594"/>
+            <a:ext cx="419100" cy="4035968"/>
+          </a:xfrm>
+          <a:prstGeom prst="rightBrace">
+            <a:avLst/>
+          </a:prstGeom>
+        </p:spPr>
+        <p:style>
+          <a:lnRef idx="1">
+            <a:schemeClr val="accent1"/>
+          </a:lnRef>
+          <a:fillRef idx="0">
+            <a:schemeClr val="accent1"/>
+          </a:fillRef>
+          <a:effectRef idx="0">
+            <a:schemeClr val="accent1"/>
+          </a:effectRef>
+          <a:fontRef idx="minor">
+            <a:schemeClr val="tx1"/>
+          </a:fontRef>
+        </p:style>
+        <p:txBody>
+          <a:bodyPr rtlCol="0" anchor="ctr"/>
+          <a:lstStyle/>
+          <a:p>
+            <a:pPr algn="ctr"/>
+            <a:endParaRPr kumimoji="1" lang="zh-CN" altLang="en-US"/>
+          </a:p>
+        </p:txBody>
+      </p:sp>
+      <p:sp>
+        <p:nvSpPr>
+          <p:cNvPr id="5" name="文本框 4">
+            <a:extLst>
+              <a:ext uri="{FF2B5EF4-FFF2-40B4-BE49-F238E27FC236}">
+                <a16:creationId xmlns:a16="http://schemas.microsoft.com/office/drawing/2014/main" id="{D969C03E-2965-1D4E-A71D-A11096296DD1}"/>
+              </a:ext>
+            </a:extLst>
+          </p:cNvPr>
+          <p:cNvSpPr txBox="1"/>
+          <p:nvPr/>
+        </p:nvSpPr>
+        <p:spPr>
+          <a:xfrm>
+            <a:off x="6171474" y="337535"/>
+            <a:ext cx="1806905" cy="369332"/>
+          </a:xfrm>
+          <a:prstGeom prst="rect">
+            <a:avLst/>
+          </a:prstGeom>
+          <a:noFill/>
+        </p:spPr>
+        <p:txBody>
+          <a:bodyPr wrap="none" rtlCol="0">
+            <a:spAutoFit/>
+          </a:bodyPr>
+          <a:lstStyle/>
+          <a:p>
+            <a:r>
+              <a:rPr kumimoji="1" lang="en-US" altLang="zh-CN" dirty="0"/>
+              <a:t>Next[</a:t>
+            </a:r>
+            <a:r>
+              <a:rPr kumimoji="1" lang="en-US" altLang="zh-CN" dirty="0" err="1"/>
+              <a:t>len</a:t>
+            </a:r>
+            <a:r>
+              <a:rPr kumimoji="1" lang="en-US" altLang="zh-CN" dirty="0"/>
+              <a:t>(s)-1]=k</a:t>
+            </a:r>
+            <a:endParaRPr kumimoji="1" lang="zh-CN" altLang="en-US" dirty="0"/>
+          </a:p>
+        </p:txBody>
+      </p:sp>
+      <p:sp>
+        <p:nvSpPr>
+          <p:cNvPr id="20" name="右大括号 19">
+            <a:extLst>
+              <a:ext uri="{FF2B5EF4-FFF2-40B4-BE49-F238E27FC236}">
+                <a16:creationId xmlns:a16="http://schemas.microsoft.com/office/drawing/2014/main" id="{D962AC79-62E3-6940-8ACA-6E886F7CBEC9}"/>
+              </a:ext>
+            </a:extLst>
+          </p:cNvPr>
+          <p:cNvSpPr/>
+          <p:nvPr/>
+        </p:nvSpPr>
+        <p:spPr>
+          <a:xfrm rot="5400000">
+            <a:off x="4591745" y="1378355"/>
+            <a:ext cx="419100" cy="823671"/>
+          </a:xfrm>
+          <a:prstGeom prst="rightBrace">
+            <a:avLst/>
+          </a:prstGeom>
+        </p:spPr>
+        <p:style>
+          <a:lnRef idx="1">
+            <a:schemeClr val="accent1"/>
+          </a:lnRef>
+          <a:fillRef idx="0">
+            <a:schemeClr val="accent1"/>
+          </a:fillRef>
+          <a:effectRef idx="0">
+            <a:schemeClr val="accent1"/>
+          </a:effectRef>
+          <a:fontRef idx="minor">
+            <a:schemeClr val="tx1"/>
+          </a:fontRef>
+        </p:style>
+        <p:txBody>
+          <a:bodyPr rtlCol="0" anchor="ctr"/>
+          <a:lstStyle/>
+          <a:p>
+            <a:pPr algn="ctr"/>
+            <a:endParaRPr kumimoji="1" lang="zh-CN" altLang="en-US"/>
+          </a:p>
+        </p:txBody>
+      </p:sp>
+      <p:sp>
+        <p:nvSpPr>
+          <p:cNvPr id="17" name="文本框 16">
+            <a:extLst>
+              <a:ext uri="{FF2B5EF4-FFF2-40B4-BE49-F238E27FC236}">
+                <a16:creationId xmlns:a16="http://schemas.microsoft.com/office/drawing/2014/main" id="{AC5979D1-1E3F-4840-A7D7-0D4026C51AB8}"/>
+              </a:ext>
+            </a:extLst>
+          </p:cNvPr>
+          <p:cNvSpPr txBox="1"/>
+          <p:nvPr/>
+        </p:nvSpPr>
+        <p:spPr>
+          <a:xfrm>
+            <a:off x="4352416" y="2022864"/>
+            <a:ext cx="934871" cy="369332"/>
+          </a:xfrm>
+          <a:prstGeom prst="rect">
+            <a:avLst/>
+          </a:prstGeom>
+          <a:noFill/>
+        </p:spPr>
+        <p:txBody>
+          <a:bodyPr wrap="none" rtlCol="0">
+            <a:spAutoFit/>
+          </a:bodyPr>
+          <a:lstStyle/>
+          <a:p>
+            <a:r>
+              <a:rPr kumimoji="1" lang="en-US" altLang="zh-CN" dirty="0" err="1"/>
+              <a:t>len</a:t>
+            </a:r>
+            <a:r>
+              <a:rPr kumimoji="1" lang="en-US" altLang="zh-CN" dirty="0"/>
+              <a:t>(s)-k</a:t>
+            </a:r>
+            <a:endParaRPr kumimoji="1" lang="zh-CN" altLang="en-US" dirty="0"/>
+          </a:p>
+        </p:txBody>
+      </p:sp>
+      <p:graphicFrame>
+        <p:nvGraphicFramePr>
+          <p:cNvPr id="18" name="表格 2">
+            <a:extLst>
+              <a:ext uri="{FF2B5EF4-FFF2-40B4-BE49-F238E27FC236}">
+                <a16:creationId xmlns:a16="http://schemas.microsoft.com/office/drawing/2014/main" id="{FA3E76EF-85F6-D843-A3E9-5CF86E3F6C61}"/>
+              </a:ext>
+            </a:extLst>
+          </p:cNvPr>
+          <p:cNvGraphicFramePr>
+            <a:graphicFrameLocks noGrp="1"/>
+          </p:cNvGraphicFramePr>
+          <p:nvPr>
+            <p:extLst>
+              <p:ext uri="{D42A27DB-BD31-4B8C-83A1-F6EECF244321}">
+                <p14:modId xmlns:p14="http://schemas.microsoft.com/office/powerpoint/2010/main" val="1093436022"/>
+              </p:ext>
+            </p:extLst>
+          </p:nvPr>
+        </p:nvGraphicFramePr>
+        <p:xfrm>
+          <a:off x="353491" y="2992889"/>
+          <a:ext cx="4859640" cy="370840"/>
+        </p:xfrm>
+        <a:graphic>
+          <a:graphicData uri="http://schemas.openxmlformats.org/drawingml/2006/table">
+            <a:tbl>
+              <a:tblPr firstRow="1" bandRow="1">
+                <a:tableStyleId>{21E4AEA4-8DFA-4A89-87EB-49C32662AFE0}</a:tableStyleId>
+              </a:tblPr>
+              <a:tblGrid>
+                <a:gridCol w="809940">
+                  <a:extLst>
+                    <a:ext uri="{9D8B030D-6E8A-4147-A177-3AD203B41FA5}">
+                      <a16:colId xmlns:a16="http://schemas.microsoft.com/office/drawing/2014/main" val="28619434"/>
+                    </a:ext>
+                  </a:extLst>
+                </a:gridCol>
+                <a:gridCol w="809940">
+                  <a:extLst>
+                    <a:ext uri="{9D8B030D-6E8A-4147-A177-3AD203B41FA5}">
+                      <a16:colId xmlns:a16="http://schemas.microsoft.com/office/drawing/2014/main" val="1419486052"/>
+                    </a:ext>
+                  </a:extLst>
+                </a:gridCol>
+                <a:gridCol w="809940">
+                  <a:extLst>
+                    <a:ext uri="{9D8B030D-6E8A-4147-A177-3AD203B41FA5}">
+                      <a16:colId xmlns:a16="http://schemas.microsoft.com/office/drawing/2014/main" val="3893012179"/>
+                    </a:ext>
+                  </a:extLst>
+                </a:gridCol>
+                <a:gridCol w="809940">
+                  <a:extLst>
+                    <a:ext uri="{9D8B030D-6E8A-4147-A177-3AD203B41FA5}">
+                      <a16:colId xmlns:a16="http://schemas.microsoft.com/office/drawing/2014/main" val="2189662055"/>
+                    </a:ext>
+                  </a:extLst>
+                </a:gridCol>
+                <a:gridCol w="809940">
+                  <a:extLst>
+                    <a:ext uri="{9D8B030D-6E8A-4147-A177-3AD203B41FA5}">
+                      <a16:colId xmlns:a16="http://schemas.microsoft.com/office/drawing/2014/main" val="1495378164"/>
+                    </a:ext>
+                  </a:extLst>
+                </a:gridCol>
+                <a:gridCol w="809940">
+                  <a:extLst>
+                    <a:ext uri="{9D8B030D-6E8A-4147-A177-3AD203B41FA5}">
+                      <a16:colId xmlns:a16="http://schemas.microsoft.com/office/drawing/2014/main" val="2949065674"/>
+                    </a:ext>
+                  </a:extLst>
+                </a:gridCol>
+              </a:tblGrid>
+              <a:tr h="370840">
+                <a:tc>
+                  <a:txBody>
+                    <a:bodyPr/>
+                    <a:lstStyle/>
+                    <a:p>
+                      <a:pPr algn="ctr"/>
+                      <a:r>
+                        <a:rPr lang="en-US" altLang="zh-CN" dirty="0">
+                          <a:solidFill>
+                            <a:schemeClr val="tx1"/>
+                          </a:solidFill>
+                        </a:rPr>
+                        <a:t>0</a:t>
+                      </a:r>
+                      <a:endParaRPr lang="zh-CN" altLang="en-US" dirty="0">
+                        <a:solidFill>
+                          <a:schemeClr val="tx1"/>
+                        </a:solidFill>
+                      </a:endParaRPr>
+                    </a:p>
+                  </a:txBody>
+                  <a:tcPr>
+                    <a:solidFill>
+                      <a:schemeClr val="accent6"/>
+                    </a:solidFill>
+                  </a:tcPr>
+                </a:tc>
+                <a:tc>
+                  <a:txBody>
+                    <a:bodyPr/>
+                    <a:lstStyle/>
+                    <a:p>
+                      <a:pPr algn="ctr"/>
+                      <a:r>
+                        <a:rPr lang="en-US" altLang="zh-CN" dirty="0">
+                          <a:solidFill>
+                            <a:schemeClr val="tx1"/>
+                          </a:solidFill>
+                        </a:rPr>
+                        <a:t>1</a:t>
+                      </a:r>
+                      <a:endParaRPr lang="zh-CN" altLang="en-US" dirty="0">
+                        <a:solidFill>
+                          <a:schemeClr val="tx1"/>
+                        </a:solidFill>
+                      </a:endParaRPr>
+                    </a:p>
+                  </a:txBody>
+                  <a:tcPr>
+                    <a:solidFill>
+                      <a:schemeClr val="accent6"/>
+                    </a:solidFill>
+                  </a:tcPr>
+                </a:tc>
+                <a:tc>
+                  <a:txBody>
+                    <a:bodyPr/>
+                    <a:lstStyle/>
+                    <a:p>
+                      <a:pPr algn="ctr"/>
+                      <a:r>
+                        <a:rPr lang="en-US" altLang="zh-CN" dirty="0">
+                          <a:solidFill>
+                            <a:schemeClr val="tx1"/>
+                          </a:solidFill>
+                        </a:rPr>
+                        <a:t>2</a:t>
+                      </a:r>
+                      <a:endParaRPr lang="zh-CN" altLang="en-US" dirty="0">
+                        <a:solidFill>
+                          <a:schemeClr val="tx1"/>
+                        </a:solidFill>
+                      </a:endParaRPr>
+                    </a:p>
+                  </a:txBody>
+                  <a:tcPr>
+                    <a:solidFill>
+                      <a:schemeClr val="accent6"/>
+                    </a:solidFill>
+                  </a:tcPr>
+                </a:tc>
+                <a:tc>
+                  <a:txBody>
+                    <a:bodyPr/>
+                    <a:lstStyle/>
+                    <a:p>
+                      <a:pPr algn="ctr"/>
+                      <a:r>
+                        <a:rPr lang="en-US" altLang="zh-CN" dirty="0">
+                          <a:solidFill>
+                            <a:schemeClr val="tx1"/>
+                          </a:solidFill>
+                        </a:rPr>
+                        <a:t>3</a:t>
+                      </a:r>
+                      <a:endParaRPr lang="zh-CN" altLang="en-US" dirty="0">
+                        <a:solidFill>
+                          <a:schemeClr val="tx1"/>
+                        </a:solidFill>
+                      </a:endParaRPr>
+                    </a:p>
+                  </a:txBody>
+                  <a:tcPr>
+                    <a:solidFill>
+                      <a:schemeClr val="accent6"/>
+                    </a:solidFill>
+                  </a:tcPr>
+                </a:tc>
+                <a:tc>
+                  <a:txBody>
+                    <a:bodyPr/>
+                    <a:lstStyle/>
+                    <a:p>
+                      <a:pPr algn="ctr"/>
+                      <a:r>
+                        <a:rPr lang="en-US" altLang="zh-CN" dirty="0">
+                          <a:solidFill>
+                            <a:schemeClr val="tx1"/>
+                          </a:solidFill>
+                        </a:rPr>
+                        <a:t>4</a:t>
+                      </a:r>
+                      <a:endParaRPr lang="zh-CN" altLang="en-US" dirty="0">
+                        <a:solidFill>
+                          <a:schemeClr val="tx1"/>
+                        </a:solidFill>
+                      </a:endParaRPr>
+                    </a:p>
+                  </a:txBody>
+                  <a:tcPr>
+                    <a:solidFill>
+                      <a:schemeClr val="accent6"/>
+                    </a:solidFill>
+                  </a:tcPr>
+                </a:tc>
+                <a:tc>
+                  <a:txBody>
+                    <a:bodyPr/>
+                    <a:lstStyle/>
+                    <a:p>
+                      <a:pPr algn="ctr"/>
+                      <a:r>
+                        <a:rPr lang="en-US" altLang="zh-CN" dirty="0">
+                          <a:solidFill>
+                            <a:schemeClr val="tx1"/>
+                          </a:solidFill>
+                        </a:rPr>
+                        <a:t>5</a:t>
+                      </a:r>
+                      <a:endParaRPr lang="zh-CN" altLang="en-US" dirty="0">
+                        <a:solidFill>
+                          <a:schemeClr val="tx1"/>
+                        </a:solidFill>
+                      </a:endParaRPr>
+                    </a:p>
+                  </a:txBody>
+                  <a:tcPr/>
+                </a:tc>
+                <a:extLst>
+                  <a:ext uri="{0D108BD9-81ED-4DB2-BD59-A6C34878D82A}">
+                    <a16:rowId xmlns:a16="http://schemas.microsoft.com/office/drawing/2014/main" val="264992108"/>
+                  </a:ext>
+                </a:extLst>
+              </a:tr>
+            </a:tbl>
+          </a:graphicData>
+        </a:graphic>
+      </p:graphicFrame>
+      <p:graphicFrame>
+        <p:nvGraphicFramePr>
+          <p:cNvPr id="19" name="表格 2">
+            <a:extLst>
+              <a:ext uri="{FF2B5EF4-FFF2-40B4-BE49-F238E27FC236}">
+                <a16:creationId xmlns:a16="http://schemas.microsoft.com/office/drawing/2014/main" id="{F3B69AEC-2631-8C42-85AF-74E26E29B05B}"/>
+              </a:ext>
+            </a:extLst>
+          </p:cNvPr>
+          <p:cNvGraphicFramePr>
+            <a:graphicFrameLocks noGrp="1"/>
+          </p:cNvGraphicFramePr>
+          <p:nvPr>
+            <p:extLst>
+              <p:ext uri="{D42A27DB-BD31-4B8C-83A1-F6EECF244321}">
+                <p14:modId xmlns:p14="http://schemas.microsoft.com/office/powerpoint/2010/main" val="2119463340"/>
+              </p:ext>
+            </p:extLst>
+          </p:nvPr>
+        </p:nvGraphicFramePr>
+        <p:xfrm>
+          <a:off x="1168043" y="3554099"/>
+          <a:ext cx="4859640" cy="370840"/>
+        </p:xfrm>
+        <a:graphic>
+          <a:graphicData uri="http://schemas.openxmlformats.org/drawingml/2006/table">
+            <a:tbl>
+              <a:tblPr firstRow="1" bandRow="1">
+                <a:tableStyleId>{21E4AEA4-8DFA-4A89-87EB-49C32662AFE0}</a:tableStyleId>
+              </a:tblPr>
+              <a:tblGrid>
+                <a:gridCol w="809940">
+                  <a:extLst>
+                    <a:ext uri="{9D8B030D-6E8A-4147-A177-3AD203B41FA5}">
+                      <a16:colId xmlns:a16="http://schemas.microsoft.com/office/drawing/2014/main" val="28619434"/>
+                    </a:ext>
+                  </a:extLst>
+                </a:gridCol>
+                <a:gridCol w="809940">
+                  <a:extLst>
+                    <a:ext uri="{9D8B030D-6E8A-4147-A177-3AD203B41FA5}">
+                      <a16:colId xmlns:a16="http://schemas.microsoft.com/office/drawing/2014/main" val="1419486052"/>
+                    </a:ext>
+                  </a:extLst>
+                </a:gridCol>
+                <a:gridCol w="809940">
+                  <a:extLst>
+                    <a:ext uri="{9D8B030D-6E8A-4147-A177-3AD203B41FA5}">
+                      <a16:colId xmlns:a16="http://schemas.microsoft.com/office/drawing/2014/main" val="3893012179"/>
+                    </a:ext>
+                  </a:extLst>
+                </a:gridCol>
+                <a:gridCol w="809940">
+                  <a:extLst>
+                    <a:ext uri="{9D8B030D-6E8A-4147-A177-3AD203B41FA5}">
+                      <a16:colId xmlns:a16="http://schemas.microsoft.com/office/drawing/2014/main" val="2189662055"/>
+                    </a:ext>
+                  </a:extLst>
+                </a:gridCol>
+                <a:gridCol w="809940">
+                  <a:extLst>
+                    <a:ext uri="{9D8B030D-6E8A-4147-A177-3AD203B41FA5}">
+                      <a16:colId xmlns:a16="http://schemas.microsoft.com/office/drawing/2014/main" val="1495378164"/>
+                    </a:ext>
+                  </a:extLst>
+                </a:gridCol>
+                <a:gridCol w="809940">
+                  <a:extLst>
+                    <a:ext uri="{9D8B030D-6E8A-4147-A177-3AD203B41FA5}">
+                      <a16:colId xmlns:a16="http://schemas.microsoft.com/office/drawing/2014/main" val="2949065674"/>
+                    </a:ext>
+                  </a:extLst>
+                </a:gridCol>
+              </a:tblGrid>
+              <a:tr h="370840">
+                <a:tc>
+                  <a:txBody>
+                    <a:bodyPr/>
+                    <a:lstStyle/>
+                    <a:p>
+                      <a:pPr algn="ctr"/>
+                      <a:r>
+                        <a:rPr lang="en-US" altLang="zh-CN" dirty="0">
+                          <a:solidFill>
+                            <a:schemeClr val="tx1"/>
+                          </a:solidFill>
+                        </a:rPr>
+                        <a:t>0</a:t>
+                      </a:r>
+                      <a:endParaRPr lang="zh-CN" altLang="en-US" dirty="0">
+                        <a:solidFill>
+                          <a:schemeClr val="tx1"/>
+                        </a:solidFill>
+                      </a:endParaRPr>
+                    </a:p>
+                  </a:txBody>
+                  <a:tcPr>
+                    <a:solidFill>
+                      <a:schemeClr val="accent6"/>
+                    </a:solidFill>
+                  </a:tcPr>
+                </a:tc>
+                <a:tc>
+                  <a:txBody>
+                    <a:bodyPr/>
+                    <a:lstStyle/>
+                    <a:p>
+                      <a:pPr algn="ctr"/>
+                      <a:r>
+                        <a:rPr lang="en-US" altLang="zh-CN" dirty="0">
+                          <a:solidFill>
+                            <a:schemeClr val="tx1"/>
+                          </a:solidFill>
+                        </a:rPr>
+                        <a:t>1</a:t>
+                      </a:r>
+                      <a:endParaRPr lang="zh-CN" altLang="en-US" dirty="0">
+                        <a:solidFill>
+                          <a:schemeClr val="tx1"/>
+                        </a:solidFill>
+                      </a:endParaRPr>
+                    </a:p>
+                  </a:txBody>
+                  <a:tcPr>
+                    <a:solidFill>
+                      <a:schemeClr val="accent6"/>
+                    </a:solidFill>
+                  </a:tcPr>
+                </a:tc>
+                <a:tc>
+                  <a:txBody>
+                    <a:bodyPr/>
+                    <a:lstStyle/>
+                    <a:p>
+                      <a:pPr algn="ctr"/>
+                      <a:r>
+                        <a:rPr lang="en-US" altLang="zh-CN" dirty="0">
+                          <a:solidFill>
+                            <a:schemeClr val="tx1"/>
+                          </a:solidFill>
+                        </a:rPr>
+                        <a:t>2</a:t>
+                      </a:r>
+                      <a:endParaRPr lang="zh-CN" altLang="en-US" dirty="0">
+                        <a:solidFill>
+                          <a:schemeClr val="tx1"/>
+                        </a:solidFill>
+                      </a:endParaRPr>
+                    </a:p>
+                  </a:txBody>
+                  <a:tcPr>
+                    <a:solidFill>
+                      <a:schemeClr val="accent6"/>
+                    </a:solidFill>
+                  </a:tcPr>
+                </a:tc>
+                <a:tc>
+                  <a:txBody>
+                    <a:bodyPr/>
+                    <a:lstStyle/>
+                    <a:p>
+                      <a:pPr algn="ctr"/>
+                      <a:r>
+                        <a:rPr lang="en-US" altLang="zh-CN" dirty="0">
+                          <a:solidFill>
+                            <a:schemeClr val="tx1"/>
+                          </a:solidFill>
+                        </a:rPr>
+                        <a:t>3</a:t>
+                      </a:r>
+                      <a:endParaRPr lang="zh-CN" altLang="en-US" dirty="0">
+                        <a:solidFill>
+                          <a:schemeClr val="tx1"/>
+                        </a:solidFill>
+                      </a:endParaRPr>
+                    </a:p>
+                  </a:txBody>
+                  <a:tcPr>
+                    <a:solidFill>
+                      <a:schemeClr val="accent6"/>
+                    </a:solidFill>
+                  </a:tcPr>
+                </a:tc>
+                <a:tc>
+                  <a:txBody>
+                    <a:bodyPr/>
+                    <a:lstStyle/>
+                    <a:p>
+                      <a:pPr algn="ctr"/>
+                      <a:r>
+                        <a:rPr lang="en-US" altLang="zh-CN" dirty="0">
+                          <a:solidFill>
+                            <a:schemeClr val="tx1"/>
+                          </a:solidFill>
+                        </a:rPr>
+                        <a:t>4</a:t>
+                      </a:r>
+                      <a:endParaRPr lang="zh-CN" altLang="en-US" dirty="0">
+                        <a:solidFill>
+                          <a:schemeClr val="tx1"/>
+                        </a:solidFill>
+                      </a:endParaRPr>
+                    </a:p>
+                  </a:txBody>
+                  <a:tcPr>
+                    <a:solidFill>
+                      <a:schemeClr val="accent6"/>
+                    </a:solidFill>
+                  </a:tcPr>
+                </a:tc>
+                <a:tc>
+                  <a:txBody>
+                    <a:bodyPr/>
+                    <a:lstStyle/>
+                    <a:p>
+                      <a:pPr algn="ctr"/>
+                      <a:r>
+                        <a:rPr lang="en-US" altLang="zh-CN" dirty="0">
+                          <a:solidFill>
+                            <a:schemeClr val="tx1"/>
+                          </a:solidFill>
+                        </a:rPr>
+                        <a:t>5</a:t>
+                      </a:r>
+                      <a:endParaRPr lang="zh-CN" altLang="en-US" dirty="0">
+                        <a:solidFill>
+                          <a:schemeClr val="tx1"/>
+                        </a:solidFill>
+                      </a:endParaRPr>
+                    </a:p>
+                  </a:txBody>
+                  <a:tcPr/>
+                </a:tc>
+                <a:extLst>
+                  <a:ext uri="{0D108BD9-81ED-4DB2-BD59-A6C34878D82A}">
+                    <a16:rowId xmlns:a16="http://schemas.microsoft.com/office/drawing/2014/main" val="264992108"/>
+                  </a:ext>
+                </a:extLst>
+              </a:tr>
+            </a:tbl>
+          </a:graphicData>
+        </a:graphic>
+      </p:graphicFrame>
+      <p:graphicFrame>
+        <p:nvGraphicFramePr>
+          <p:cNvPr id="22" name="表格 2">
+            <a:extLst>
+              <a:ext uri="{FF2B5EF4-FFF2-40B4-BE49-F238E27FC236}">
+                <a16:creationId xmlns:a16="http://schemas.microsoft.com/office/drawing/2014/main" id="{C9931963-E36A-204E-8189-30FEAAB84691}"/>
+              </a:ext>
+            </a:extLst>
+          </p:cNvPr>
+          <p:cNvGraphicFramePr>
+            <a:graphicFrameLocks noGrp="1"/>
+          </p:cNvGraphicFramePr>
+          <p:nvPr>
+            <p:extLst>
+              <p:ext uri="{D42A27DB-BD31-4B8C-83A1-F6EECF244321}">
+                <p14:modId xmlns:p14="http://schemas.microsoft.com/office/powerpoint/2010/main" val="1089186745"/>
+              </p:ext>
+            </p:extLst>
+          </p:nvPr>
+        </p:nvGraphicFramePr>
+        <p:xfrm>
+          <a:off x="1959640" y="4140141"/>
+          <a:ext cx="4859640" cy="370840"/>
+        </p:xfrm>
+        <a:graphic>
+          <a:graphicData uri="http://schemas.openxmlformats.org/drawingml/2006/table">
+            <a:tbl>
+              <a:tblPr firstRow="1" bandRow="1">
+                <a:tableStyleId>{21E4AEA4-8DFA-4A89-87EB-49C32662AFE0}</a:tableStyleId>
+              </a:tblPr>
+              <a:tblGrid>
+                <a:gridCol w="809940">
+                  <a:extLst>
+                    <a:ext uri="{9D8B030D-6E8A-4147-A177-3AD203B41FA5}">
+                      <a16:colId xmlns:a16="http://schemas.microsoft.com/office/drawing/2014/main" val="28619434"/>
+                    </a:ext>
+                  </a:extLst>
+                </a:gridCol>
+                <a:gridCol w="809940">
+                  <a:extLst>
+                    <a:ext uri="{9D8B030D-6E8A-4147-A177-3AD203B41FA5}">
+                      <a16:colId xmlns:a16="http://schemas.microsoft.com/office/drawing/2014/main" val="1419486052"/>
+                    </a:ext>
+                  </a:extLst>
+                </a:gridCol>
+                <a:gridCol w="809940">
+                  <a:extLst>
+                    <a:ext uri="{9D8B030D-6E8A-4147-A177-3AD203B41FA5}">
+                      <a16:colId xmlns:a16="http://schemas.microsoft.com/office/drawing/2014/main" val="3893012179"/>
+                    </a:ext>
+                  </a:extLst>
+                </a:gridCol>
+                <a:gridCol w="809940">
+                  <a:extLst>
+                    <a:ext uri="{9D8B030D-6E8A-4147-A177-3AD203B41FA5}">
+                      <a16:colId xmlns:a16="http://schemas.microsoft.com/office/drawing/2014/main" val="2189662055"/>
+                    </a:ext>
+                  </a:extLst>
+                </a:gridCol>
+                <a:gridCol w="809940">
+                  <a:extLst>
+                    <a:ext uri="{9D8B030D-6E8A-4147-A177-3AD203B41FA5}">
+                      <a16:colId xmlns:a16="http://schemas.microsoft.com/office/drawing/2014/main" val="1495378164"/>
+                    </a:ext>
+                  </a:extLst>
+                </a:gridCol>
+                <a:gridCol w="809940">
+                  <a:extLst>
+                    <a:ext uri="{9D8B030D-6E8A-4147-A177-3AD203B41FA5}">
+                      <a16:colId xmlns:a16="http://schemas.microsoft.com/office/drawing/2014/main" val="2949065674"/>
+                    </a:ext>
+                  </a:extLst>
+                </a:gridCol>
+              </a:tblGrid>
+              <a:tr h="370840">
+                <a:tc>
+                  <a:txBody>
+                    <a:bodyPr/>
+                    <a:lstStyle/>
+                    <a:p>
+                      <a:pPr algn="ctr"/>
+                      <a:r>
+                        <a:rPr lang="en-US" altLang="zh-CN" dirty="0">
+                          <a:solidFill>
+                            <a:schemeClr val="tx1"/>
+                          </a:solidFill>
+                        </a:rPr>
+                        <a:t>0</a:t>
+                      </a:r>
+                      <a:endParaRPr lang="zh-CN" altLang="en-US" dirty="0">
+                        <a:solidFill>
+                          <a:schemeClr val="tx1"/>
+                        </a:solidFill>
+                      </a:endParaRPr>
+                    </a:p>
+                  </a:txBody>
+                  <a:tcPr>
+                    <a:solidFill>
+                      <a:schemeClr val="accent6"/>
+                    </a:solidFill>
+                  </a:tcPr>
+                </a:tc>
+                <a:tc>
+                  <a:txBody>
+                    <a:bodyPr/>
+                    <a:lstStyle/>
+                    <a:p>
+                      <a:pPr algn="ctr"/>
+                      <a:r>
+                        <a:rPr lang="en-US" altLang="zh-CN" dirty="0">
+                          <a:solidFill>
+                            <a:schemeClr val="tx1"/>
+                          </a:solidFill>
+                        </a:rPr>
+                        <a:t>1</a:t>
+                      </a:r>
+                      <a:endParaRPr lang="zh-CN" altLang="en-US" dirty="0">
+                        <a:solidFill>
+                          <a:schemeClr val="tx1"/>
+                        </a:solidFill>
+                      </a:endParaRPr>
+                    </a:p>
+                  </a:txBody>
+                  <a:tcPr>
+                    <a:solidFill>
+                      <a:schemeClr val="accent6"/>
+                    </a:solidFill>
+                  </a:tcPr>
+                </a:tc>
+                <a:tc>
+                  <a:txBody>
+                    <a:bodyPr/>
+                    <a:lstStyle/>
+                    <a:p>
+                      <a:pPr algn="ctr"/>
+                      <a:r>
+                        <a:rPr lang="en-US" altLang="zh-CN" dirty="0">
+                          <a:solidFill>
+                            <a:schemeClr val="tx1"/>
+                          </a:solidFill>
+                        </a:rPr>
+                        <a:t>2</a:t>
+                      </a:r>
+                      <a:endParaRPr lang="zh-CN" altLang="en-US" dirty="0">
+                        <a:solidFill>
+                          <a:schemeClr val="tx1"/>
+                        </a:solidFill>
+                      </a:endParaRPr>
+                    </a:p>
+                  </a:txBody>
+                  <a:tcPr>
+                    <a:solidFill>
+                      <a:schemeClr val="accent6"/>
+                    </a:solidFill>
+                  </a:tcPr>
+                </a:tc>
+                <a:tc>
+                  <a:txBody>
+                    <a:bodyPr/>
+                    <a:lstStyle/>
+                    <a:p>
+                      <a:pPr algn="ctr"/>
+                      <a:r>
+                        <a:rPr lang="en-US" altLang="zh-CN" dirty="0">
+                          <a:solidFill>
+                            <a:schemeClr val="tx1"/>
+                          </a:solidFill>
+                        </a:rPr>
+                        <a:t>3</a:t>
+                      </a:r>
+                      <a:endParaRPr lang="zh-CN" altLang="en-US" dirty="0">
+                        <a:solidFill>
+                          <a:schemeClr val="tx1"/>
+                        </a:solidFill>
+                      </a:endParaRPr>
+                    </a:p>
+                  </a:txBody>
+                  <a:tcPr>
+                    <a:solidFill>
+                      <a:schemeClr val="accent6"/>
+                    </a:solidFill>
+                  </a:tcPr>
+                </a:tc>
+                <a:tc>
+                  <a:txBody>
+                    <a:bodyPr/>
+                    <a:lstStyle/>
+                    <a:p>
+                      <a:pPr algn="ctr"/>
+                      <a:r>
+                        <a:rPr lang="en-US" altLang="zh-CN" dirty="0">
+                          <a:solidFill>
+                            <a:schemeClr val="tx1"/>
+                          </a:solidFill>
+                        </a:rPr>
+                        <a:t>4</a:t>
+                      </a:r>
+                      <a:endParaRPr lang="zh-CN" altLang="en-US" dirty="0">
+                        <a:solidFill>
+                          <a:schemeClr val="tx1"/>
+                        </a:solidFill>
+                      </a:endParaRPr>
+                    </a:p>
+                  </a:txBody>
+                  <a:tcPr>
+                    <a:solidFill>
+                      <a:schemeClr val="accent6"/>
+                    </a:solidFill>
+                  </a:tcPr>
+                </a:tc>
+                <a:tc>
+                  <a:txBody>
+                    <a:bodyPr/>
+                    <a:lstStyle/>
+                    <a:p>
+                      <a:pPr algn="ctr"/>
+                      <a:r>
+                        <a:rPr lang="en-US" altLang="zh-CN" dirty="0">
+                          <a:solidFill>
+                            <a:schemeClr val="tx1"/>
+                          </a:solidFill>
+                        </a:rPr>
+                        <a:t>5</a:t>
+                      </a:r>
+                      <a:endParaRPr lang="zh-CN" altLang="en-US" dirty="0">
+                        <a:solidFill>
+                          <a:schemeClr val="tx1"/>
+                        </a:solidFill>
+                      </a:endParaRPr>
+                    </a:p>
+                  </a:txBody>
+                  <a:tcPr/>
+                </a:tc>
+                <a:extLst>
+                  <a:ext uri="{0D108BD9-81ED-4DB2-BD59-A6C34878D82A}">
+                    <a16:rowId xmlns:a16="http://schemas.microsoft.com/office/drawing/2014/main" val="264992108"/>
+                  </a:ext>
+                </a:extLst>
+              </a:tr>
+            </a:tbl>
+          </a:graphicData>
+        </a:graphic>
+      </p:graphicFrame>
+      <p:graphicFrame>
+        <p:nvGraphicFramePr>
+          <p:cNvPr id="24" name="表格 2">
+            <a:extLst>
+              <a:ext uri="{FF2B5EF4-FFF2-40B4-BE49-F238E27FC236}">
+                <a16:creationId xmlns:a16="http://schemas.microsoft.com/office/drawing/2014/main" id="{811F53D8-5E95-1046-B0D2-EE605AFFF334}"/>
+              </a:ext>
+            </a:extLst>
+          </p:cNvPr>
+          <p:cNvGraphicFramePr>
+            <a:graphicFrameLocks noGrp="1"/>
+          </p:cNvGraphicFramePr>
+          <p:nvPr>
+            <p:extLst>
+              <p:ext uri="{D42A27DB-BD31-4B8C-83A1-F6EECF244321}">
+                <p14:modId xmlns:p14="http://schemas.microsoft.com/office/powerpoint/2010/main" val="2728163755"/>
+              </p:ext>
+            </p:extLst>
+          </p:nvPr>
+        </p:nvGraphicFramePr>
+        <p:xfrm>
+          <a:off x="5213131" y="5336992"/>
+          <a:ext cx="4859640" cy="370840"/>
+        </p:xfrm>
+        <a:graphic>
+          <a:graphicData uri="http://schemas.openxmlformats.org/drawingml/2006/table">
+            <a:tbl>
+              <a:tblPr firstRow="1" bandRow="1">
+                <a:tableStyleId>{21E4AEA4-8DFA-4A89-87EB-49C32662AFE0}</a:tableStyleId>
+              </a:tblPr>
+              <a:tblGrid>
+                <a:gridCol w="809940">
+                  <a:extLst>
+                    <a:ext uri="{9D8B030D-6E8A-4147-A177-3AD203B41FA5}">
+                      <a16:colId xmlns:a16="http://schemas.microsoft.com/office/drawing/2014/main" val="28619434"/>
+                    </a:ext>
+                  </a:extLst>
+                </a:gridCol>
+                <a:gridCol w="809940">
+                  <a:extLst>
+                    <a:ext uri="{9D8B030D-6E8A-4147-A177-3AD203B41FA5}">
+                      <a16:colId xmlns:a16="http://schemas.microsoft.com/office/drawing/2014/main" val="1419486052"/>
+                    </a:ext>
+                  </a:extLst>
+                </a:gridCol>
+                <a:gridCol w="809940">
+                  <a:extLst>
+                    <a:ext uri="{9D8B030D-6E8A-4147-A177-3AD203B41FA5}">
+                      <a16:colId xmlns:a16="http://schemas.microsoft.com/office/drawing/2014/main" val="3893012179"/>
+                    </a:ext>
+                  </a:extLst>
+                </a:gridCol>
+                <a:gridCol w="809940">
+                  <a:extLst>
+                    <a:ext uri="{9D8B030D-6E8A-4147-A177-3AD203B41FA5}">
+                      <a16:colId xmlns:a16="http://schemas.microsoft.com/office/drawing/2014/main" val="2189662055"/>
+                    </a:ext>
+                  </a:extLst>
+                </a:gridCol>
+                <a:gridCol w="809940">
+                  <a:extLst>
+                    <a:ext uri="{9D8B030D-6E8A-4147-A177-3AD203B41FA5}">
+                      <a16:colId xmlns:a16="http://schemas.microsoft.com/office/drawing/2014/main" val="1495378164"/>
+                    </a:ext>
+                  </a:extLst>
+                </a:gridCol>
+                <a:gridCol w="809940">
+                  <a:extLst>
+                    <a:ext uri="{9D8B030D-6E8A-4147-A177-3AD203B41FA5}">
+                      <a16:colId xmlns:a16="http://schemas.microsoft.com/office/drawing/2014/main" val="2949065674"/>
+                    </a:ext>
+                  </a:extLst>
+                </a:gridCol>
+              </a:tblGrid>
+              <a:tr h="370840">
+                <a:tc>
+                  <a:txBody>
+                    <a:bodyPr/>
+                    <a:lstStyle/>
+                    <a:p>
+                      <a:pPr algn="ctr"/>
+                      <a:r>
+                        <a:rPr lang="en-US" altLang="zh-CN" dirty="0">
+                          <a:solidFill>
+                            <a:schemeClr val="tx1"/>
+                          </a:solidFill>
+                        </a:rPr>
+                        <a:t>0</a:t>
+                      </a:r>
+                      <a:endParaRPr lang="zh-CN" altLang="en-US" dirty="0">
+                        <a:solidFill>
+                          <a:schemeClr val="tx1"/>
+                        </a:solidFill>
+                      </a:endParaRPr>
+                    </a:p>
+                  </a:txBody>
+                  <a:tcPr>
+                    <a:solidFill>
+                      <a:schemeClr val="accent6"/>
+                    </a:solidFill>
+                  </a:tcPr>
+                </a:tc>
+                <a:tc>
+                  <a:txBody>
+                    <a:bodyPr/>
+                    <a:lstStyle/>
+                    <a:p>
+                      <a:pPr algn="ctr"/>
+                      <a:r>
+                        <a:rPr lang="en-US" altLang="zh-CN" dirty="0">
+                          <a:solidFill>
+                            <a:schemeClr val="tx1"/>
+                          </a:solidFill>
+                        </a:rPr>
+                        <a:t>1</a:t>
+                      </a:r>
+                      <a:endParaRPr lang="zh-CN" altLang="en-US" dirty="0">
+                        <a:solidFill>
+                          <a:schemeClr val="tx1"/>
+                        </a:solidFill>
+                      </a:endParaRPr>
+                    </a:p>
+                  </a:txBody>
+                  <a:tcPr>
+                    <a:solidFill>
+                      <a:schemeClr val="accent6"/>
+                    </a:solidFill>
+                  </a:tcPr>
+                </a:tc>
+                <a:tc>
+                  <a:txBody>
+                    <a:bodyPr/>
+                    <a:lstStyle/>
+                    <a:p>
+                      <a:pPr algn="ctr"/>
+                      <a:r>
+                        <a:rPr lang="en-US" altLang="zh-CN" dirty="0">
+                          <a:solidFill>
+                            <a:schemeClr val="tx1"/>
+                          </a:solidFill>
+                        </a:rPr>
+                        <a:t>2</a:t>
+                      </a:r>
+                      <a:endParaRPr lang="zh-CN" altLang="en-US" dirty="0">
+                        <a:solidFill>
+                          <a:schemeClr val="tx1"/>
+                        </a:solidFill>
+                      </a:endParaRPr>
+                    </a:p>
+                  </a:txBody>
+                  <a:tcPr>
+                    <a:solidFill>
+                      <a:schemeClr val="accent6"/>
+                    </a:solidFill>
+                  </a:tcPr>
+                </a:tc>
+                <a:tc>
+                  <a:txBody>
+                    <a:bodyPr/>
+                    <a:lstStyle/>
+                    <a:p>
+                      <a:pPr algn="ctr"/>
+                      <a:r>
+                        <a:rPr lang="en-US" altLang="zh-CN" dirty="0">
+                          <a:solidFill>
+                            <a:schemeClr val="tx1"/>
+                          </a:solidFill>
+                        </a:rPr>
+                        <a:t>3</a:t>
+                      </a:r>
+                      <a:endParaRPr lang="zh-CN" altLang="en-US" dirty="0">
+                        <a:solidFill>
+                          <a:schemeClr val="tx1"/>
+                        </a:solidFill>
+                      </a:endParaRPr>
+                    </a:p>
+                  </a:txBody>
+                  <a:tcPr>
+                    <a:solidFill>
+                      <a:schemeClr val="accent6"/>
+                    </a:solidFill>
+                  </a:tcPr>
+                </a:tc>
+                <a:tc>
+                  <a:txBody>
+                    <a:bodyPr/>
+                    <a:lstStyle/>
+                    <a:p>
+                      <a:pPr algn="ctr"/>
+                      <a:r>
+                        <a:rPr lang="en-US" altLang="zh-CN" dirty="0">
+                          <a:solidFill>
+                            <a:schemeClr val="tx1"/>
+                          </a:solidFill>
+                        </a:rPr>
+                        <a:t>4</a:t>
+                      </a:r>
+                      <a:endParaRPr lang="zh-CN" altLang="en-US" dirty="0">
+                        <a:solidFill>
+                          <a:schemeClr val="tx1"/>
+                        </a:solidFill>
+                      </a:endParaRPr>
+                    </a:p>
+                  </a:txBody>
+                  <a:tcPr>
+                    <a:solidFill>
+                      <a:schemeClr val="accent6"/>
+                    </a:solidFill>
+                  </a:tcPr>
+                </a:tc>
+                <a:tc>
+                  <a:txBody>
+                    <a:bodyPr/>
+                    <a:lstStyle/>
+                    <a:p>
+                      <a:pPr algn="ctr"/>
+                      <a:r>
+                        <a:rPr lang="en-US" altLang="zh-CN" dirty="0">
+                          <a:solidFill>
+                            <a:schemeClr val="tx1"/>
+                          </a:solidFill>
+                        </a:rPr>
+                        <a:t>5</a:t>
+                      </a:r>
+                      <a:endParaRPr lang="zh-CN" altLang="en-US" dirty="0">
+                        <a:solidFill>
+                          <a:schemeClr val="tx1"/>
+                        </a:solidFill>
+                      </a:endParaRPr>
+                    </a:p>
+                  </a:txBody>
+                  <a:tcPr/>
+                </a:tc>
+                <a:extLst>
+                  <a:ext uri="{0D108BD9-81ED-4DB2-BD59-A6C34878D82A}">
+                    <a16:rowId xmlns:a16="http://schemas.microsoft.com/office/drawing/2014/main" val="264992108"/>
+                  </a:ext>
+                </a:extLst>
+              </a:tr>
+            </a:tbl>
+          </a:graphicData>
+        </a:graphic>
+      </p:graphicFrame>
+      <p:sp>
+        <p:nvSpPr>
+          <p:cNvPr id="11" name="文本框 10">
+            <a:extLst>
+              <a:ext uri="{FF2B5EF4-FFF2-40B4-BE49-F238E27FC236}">
+                <a16:creationId xmlns:a16="http://schemas.microsoft.com/office/drawing/2014/main" id="{AA7A4423-A737-E441-8ABD-EA264AA892C8}"/>
+              </a:ext>
+            </a:extLst>
+          </p:cNvPr>
+          <p:cNvSpPr txBox="1"/>
+          <p:nvPr/>
+        </p:nvSpPr>
+        <p:spPr>
+          <a:xfrm>
+            <a:off x="5540532" y="4399146"/>
+            <a:ext cx="1261884" cy="1015663"/>
+          </a:xfrm>
+          <a:prstGeom prst="rect">
+            <a:avLst/>
+          </a:prstGeom>
+          <a:noFill/>
+        </p:spPr>
+        <p:txBody>
+          <a:bodyPr wrap="none" rtlCol="0">
+            <a:spAutoFit/>
+          </a:bodyPr>
+          <a:lstStyle/>
+          <a:p>
+            <a:r>
+              <a:rPr kumimoji="1" lang="en-US" altLang="zh-CN" sz="6000" dirty="0"/>
+              <a:t>……</a:t>
+            </a:r>
+            <a:endParaRPr kumimoji="1" lang="zh-CN" altLang="en-US" sz="6000" dirty="0"/>
+          </a:p>
+        </p:txBody>
+      </p:sp>
+      <p:sp>
+        <p:nvSpPr>
+          <p:cNvPr id="12" name="文本框 11">
+            <a:extLst>
+              <a:ext uri="{FF2B5EF4-FFF2-40B4-BE49-F238E27FC236}">
+                <a16:creationId xmlns:a16="http://schemas.microsoft.com/office/drawing/2014/main" id="{C75A9D69-7A56-C942-A875-C7A121071288}"/>
+              </a:ext>
+            </a:extLst>
+          </p:cNvPr>
+          <p:cNvSpPr txBox="1"/>
+          <p:nvPr/>
+        </p:nvSpPr>
+        <p:spPr>
+          <a:xfrm>
+            <a:off x="5612527" y="3009843"/>
+            <a:ext cx="1874231" cy="369332"/>
+          </a:xfrm>
+          <a:prstGeom prst="rect">
+            <a:avLst/>
+          </a:prstGeom>
+          <a:noFill/>
+        </p:spPr>
+        <p:txBody>
+          <a:bodyPr wrap="none" rtlCol="0">
+            <a:spAutoFit/>
+          </a:bodyPr>
+          <a:lstStyle/>
+          <a:p>
+            <a:r>
+              <a:rPr kumimoji="1" lang="en-US" altLang="zh-CN" dirty="0"/>
+              <a:t>s[0]=s[5]</a:t>
+            </a:r>
+            <a:r>
+              <a:rPr kumimoji="1" lang="zh-CN" altLang="en-US" dirty="0"/>
+              <a:t>    （</a:t>
+            </a:r>
+            <a:r>
+              <a:rPr kumimoji="1" lang="en-US" altLang="zh-CN" dirty="0"/>
+              <a:t>1</a:t>
+            </a:r>
+            <a:r>
+              <a:rPr kumimoji="1" lang="zh-CN" altLang="en-US" dirty="0"/>
+              <a:t>）</a:t>
+            </a:r>
+          </a:p>
+        </p:txBody>
+      </p:sp>
+      <p:sp>
+        <p:nvSpPr>
+          <p:cNvPr id="26" name="文本框 25">
+            <a:extLst>
+              <a:ext uri="{FF2B5EF4-FFF2-40B4-BE49-F238E27FC236}">
+                <a16:creationId xmlns:a16="http://schemas.microsoft.com/office/drawing/2014/main" id="{B42894D9-D1A6-DF46-9914-BC5E7E43F556}"/>
+              </a:ext>
+            </a:extLst>
+          </p:cNvPr>
+          <p:cNvSpPr txBox="1"/>
+          <p:nvPr/>
+        </p:nvSpPr>
+        <p:spPr>
+          <a:xfrm>
+            <a:off x="6286922" y="3514094"/>
+            <a:ext cx="2287806" cy="369332"/>
+          </a:xfrm>
+          <a:prstGeom prst="rect">
+            <a:avLst/>
+          </a:prstGeom>
+          <a:noFill/>
+        </p:spPr>
+        <p:txBody>
+          <a:bodyPr wrap="none" rtlCol="0">
+            <a:spAutoFit/>
+          </a:bodyPr>
+          <a:lstStyle/>
+          <a:p>
+            <a:r>
+              <a:rPr kumimoji="1" lang="en-US" altLang="zh-CN" dirty="0"/>
+              <a:t>s[0]s[1]=s[4]s[5]</a:t>
+            </a:r>
+            <a:r>
+              <a:rPr kumimoji="1" lang="zh-CN" altLang="en-US" dirty="0"/>
+              <a:t>    </a:t>
+            </a:r>
+            <a:r>
+              <a:rPr kumimoji="1" lang="en-US" altLang="zh-CN" dirty="0"/>
+              <a:t>	(2)</a:t>
+            </a:r>
+            <a:endParaRPr kumimoji="1" lang="zh-CN" altLang="en-US" dirty="0"/>
+          </a:p>
+        </p:txBody>
+      </p:sp>
+      <p:sp>
+        <p:nvSpPr>
+          <p:cNvPr id="27" name="文本框 26">
+            <a:extLst>
+              <a:ext uri="{FF2B5EF4-FFF2-40B4-BE49-F238E27FC236}">
+                <a16:creationId xmlns:a16="http://schemas.microsoft.com/office/drawing/2014/main" id="{1E6572C3-84A0-7A4E-9B82-7F85D05BBD64}"/>
+              </a:ext>
+            </a:extLst>
+          </p:cNvPr>
+          <p:cNvSpPr txBox="1"/>
+          <p:nvPr/>
+        </p:nvSpPr>
+        <p:spPr>
+          <a:xfrm>
+            <a:off x="7073678" y="4116747"/>
+            <a:ext cx="3340979" cy="369332"/>
+          </a:xfrm>
+          <a:prstGeom prst="rect">
+            <a:avLst/>
+          </a:prstGeom>
+          <a:noFill/>
+        </p:spPr>
+        <p:txBody>
+          <a:bodyPr wrap="none" rtlCol="0">
+            <a:spAutoFit/>
+          </a:bodyPr>
+          <a:lstStyle/>
+          <a:p>
+            <a:r>
+              <a:rPr kumimoji="1" lang="en-US" altLang="zh-CN" dirty="0"/>
+              <a:t>s[0]s[1]s[2]=s[3]s[4]s[5]</a:t>
+            </a:r>
+            <a:r>
+              <a:rPr kumimoji="1" lang="zh-CN" altLang="en-US" dirty="0"/>
+              <a:t>     （</a:t>
+            </a:r>
+            <a:r>
+              <a:rPr kumimoji="1" lang="en-US" altLang="zh-CN" dirty="0"/>
+              <a:t>3</a:t>
+            </a:r>
+            <a:r>
+              <a:rPr kumimoji="1" lang="zh-CN" altLang="en-US" dirty="0"/>
+              <a:t>）</a:t>
+            </a:r>
+          </a:p>
+        </p:txBody>
+      </p:sp>
+    </p:spTree>
+    <p:extLst>
+      <p:ext uri="{BB962C8B-B14F-4D97-AF65-F5344CB8AC3E}">
+        <p14:creationId xmlns:p14="http://schemas.microsoft.com/office/powerpoint/2010/main" val="146643556"/>
+      </p:ext>
+    </p:extLst>
+  </p:cSld>
+  <p:clrMapOvr>
+    <a:masterClrMapping/>
+  </p:clrMapOvr>
+</p:sld>
+</file>
+
+<file path=ppt/slides/slide9.xml><?xml version="1.0" encoding="utf-8"?>
+<p:sld xmlns:a="http://schemas.openxmlformats.org/drawingml/2006/main" xmlns:r="http://schemas.openxmlformats.org/officeDocument/2006/relationships" xmlns:p="http://schemas.openxmlformats.org/presentationml/2006/main">
+  <p:cSld>
+    <p:spTree>
+      <p:nvGrpSpPr>
+        <p:cNvPr id="1" name=""/>
+        <p:cNvGrpSpPr/>
+        <p:nvPr/>
+      </p:nvGrpSpPr>
+      <p:grpSpPr>
+        <a:xfrm>
+          <a:off x="0" y="0"/>
+          <a:ext cx="0" cy="0"/>
+          <a:chOff x="0" y="0"/>
+          <a:chExt cx="0" cy="0"/>
+        </a:xfrm>
+      </p:grpSpPr>
+      <p:graphicFrame>
+        <p:nvGraphicFramePr>
+          <p:cNvPr id="2" name="表格 2">
+            <a:extLst>
+              <a:ext uri="{FF2B5EF4-FFF2-40B4-BE49-F238E27FC236}">
+                <a16:creationId xmlns:a16="http://schemas.microsoft.com/office/drawing/2014/main" id="{C9A1FBCB-656F-804E-B1A7-190F308AE30B}"/>
+              </a:ext>
+            </a:extLst>
+          </p:cNvPr>
+          <p:cNvGraphicFramePr>
+            <a:graphicFrameLocks noGrp="1"/>
+          </p:cNvGraphicFramePr>
+          <p:nvPr>
+            <p:extLst>
+              <p:ext uri="{D42A27DB-BD31-4B8C-83A1-F6EECF244321}">
+                <p14:modId xmlns:p14="http://schemas.microsoft.com/office/powerpoint/2010/main" val="734894227"/>
+              </p:ext>
+            </p:extLst>
+          </p:nvPr>
+        </p:nvGraphicFramePr>
+        <p:xfrm>
+          <a:off x="4389460" y="1186940"/>
+          <a:ext cx="4554000" cy="370840"/>
+        </p:xfrm>
+        <a:graphic>
+          <a:graphicData uri="http://schemas.openxmlformats.org/drawingml/2006/table">
+            <a:tbl>
+              <a:tblPr firstRow="1" bandRow="1">
+                <a:tableStyleId>{21E4AEA4-8DFA-4A89-87EB-49C32662AFE0}</a:tableStyleId>
+              </a:tblPr>
+              <a:tblGrid>
+                <a:gridCol w="810000">
+                  <a:extLst>
+                    <a:ext uri="{9D8B030D-6E8A-4147-A177-3AD203B41FA5}">
+                      <a16:colId xmlns:a16="http://schemas.microsoft.com/office/drawing/2014/main" val="28619434"/>
+                    </a:ext>
+                  </a:extLst>
+                </a:gridCol>
+                <a:gridCol w="810000">
+                  <a:extLst>
+                    <a:ext uri="{9D8B030D-6E8A-4147-A177-3AD203B41FA5}">
+                      <a16:colId xmlns:a16="http://schemas.microsoft.com/office/drawing/2014/main" val="1419486052"/>
+                    </a:ext>
+                  </a:extLst>
+                </a:gridCol>
+                <a:gridCol w="810000">
+                  <a:extLst>
+                    <a:ext uri="{9D8B030D-6E8A-4147-A177-3AD203B41FA5}">
+                      <a16:colId xmlns:a16="http://schemas.microsoft.com/office/drawing/2014/main" val="3893012179"/>
+                    </a:ext>
+                  </a:extLst>
+                </a:gridCol>
+                <a:gridCol w="810000">
+                  <a:extLst>
+                    <a:ext uri="{9D8B030D-6E8A-4147-A177-3AD203B41FA5}">
+                      <a16:colId xmlns:a16="http://schemas.microsoft.com/office/drawing/2014/main" val="2189662055"/>
+                    </a:ext>
+                  </a:extLst>
+                </a:gridCol>
+                <a:gridCol w="810000">
+                  <a:extLst>
+                    <a:ext uri="{9D8B030D-6E8A-4147-A177-3AD203B41FA5}">
+                      <a16:colId xmlns:a16="http://schemas.microsoft.com/office/drawing/2014/main" val="1495378164"/>
+                    </a:ext>
+                  </a:extLst>
+                </a:gridCol>
+                <a:gridCol w="504000">
+                  <a:extLst>
+                    <a:ext uri="{9D8B030D-6E8A-4147-A177-3AD203B41FA5}">
+                      <a16:colId xmlns:a16="http://schemas.microsoft.com/office/drawing/2014/main" val="2949065674"/>
+                    </a:ext>
+                  </a:extLst>
+                </a:gridCol>
+              </a:tblGrid>
+              <a:tr h="370840">
+                <a:tc>
+                  <a:txBody>
+                    <a:bodyPr/>
+                    <a:lstStyle/>
+                    <a:p>
+                      <a:pPr algn="ctr"/>
+                      <a:r>
+                        <a:rPr lang="en-US" altLang="zh-CN" dirty="0">
+                          <a:solidFill>
+                            <a:schemeClr val="tx1"/>
+                          </a:solidFill>
+                        </a:rPr>
+                        <a:t>0</a:t>
+                      </a:r>
+                      <a:endParaRPr lang="zh-CN" altLang="en-US" dirty="0">
+                        <a:solidFill>
+                          <a:schemeClr val="tx1"/>
+                        </a:solidFill>
+                      </a:endParaRPr>
+                    </a:p>
+                  </a:txBody>
+                  <a:tcPr>
+                    <a:solidFill>
+                      <a:schemeClr val="accent2"/>
+                    </a:solidFill>
+                  </a:tcPr>
+                </a:tc>
+                <a:tc>
+                  <a:txBody>
+                    <a:bodyPr/>
+                    <a:lstStyle/>
+                    <a:p>
+                      <a:pPr algn="ctr"/>
+                      <a:r>
+                        <a:rPr lang="en-US" altLang="zh-CN" dirty="0">
+                          <a:solidFill>
+                            <a:schemeClr val="tx1"/>
+                          </a:solidFill>
+                        </a:rPr>
+                        <a:t>1</a:t>
+                      </a:r>
+                      <a:endParaRPr lang="zh-CN" altLang="en-US" dirty="0">
+                        <a:solidFill>
+                          <a:schemeClr val="tx1"/>
+                        </a:solidFill>
+                      </a:endParaRPr>
+                    </a:p>
+                  </a:txBody>
+                  <a:tcPr>
+                    <a:solidFill>
+                      <a:schemeClr val="accent6"/>
+                    </a:solidFill>
+                  </a:tcPr>
+                </a:tc>
+                <a:tc>
+                  <a:txBody>
+                    <a:bodyPr/>
+                    <a:lstStyle/>
+                    <a:p>
+                      <a:pPr algn="ctr"/>
+                      <a:r>
+                        <a:rPr lang="en-US" altLang="zh-CN" dirty="0">
+                          <a:solidFill>
+                            <a:schemeClr val="tx1"/>
+                          </a:solidFill>
+                        </a:rPr>
+                        <a:t>2</a:t>
+                      </a:r>
+                      <a:endParaRPr lang="zh-CN" altLang="en-US" dirty="0">
+                        <a:solidFill>
+                          <a:schemeClr val="tx1"/>
+                        </a:solidFill>
+                      </a:endParaRPr>
+                    </a:p>
+                  </a:txBody>
+                  <a:tcPr>
+                    <a:solidFill>
+                      <a:schemeClr val="accent6"/>
+                    </a:solidFill>
+                  </a:tcPr>
+                </a:tc>
+                <a:tc>
+                  <a:txBody>
+                    <a:bodyPr/>
+                    <a:lstStyle/>
+                    <a:p>
+                      <a:pPr algn="ctr"/>
+                      <a:r>
+                        <a:rPr lang="en-US" altLang="zh-CN" dirty="0">
+                          <a:solidFill>
+                            <a:schemeClr val="tx1"/>
+                          </a:solidFill>
+                        </a:rPr>
+                        <a:t>3</a:t>
+                      </a:r>
+                      <a:endParaRPr lang="zh-CN" altLang="en-US" dirty="0">
+                        <a:solidFill>
+                          <a:schemeClr val="tx1"/>
+                        </a:solidFill>
+                      </a:endParaRPr>
+                    </a:p>
+                  </a:txBody>
+                  <a:tcPr>
+                    <a:solidFill>
+                      <a:schemeClr val="accent6"/>
+                    </a:solidFill>
+                  </a:tcPr>
+                </a:tc>
+                <a:tc>
+                  <a:txBody>
+                    <a:bodyPr/>
+                    <a:lstStyle/>
+                    <a:p>
+                      <a:pPr algn="ctr"/>
+                      <a:r>
+                        <a:rPr lang="en-US" altLang="zh-CN" dirty="0">
+                          <a:solidFill>
+                            <a:schemeClr val="tx1"/>
+                          </a:solidFill>
+                        </a:rPr>
+                        <a:t>4</a:t>
+                      </a:r>
+                      <a:endParaRPr lang="zh-CN" altLang="en-US" dirty="0">
+                        <a:solidFill>
+                          <a:schemeClr val="tx1"/>
+                        </a:solidFill>
+                      </a:endParaRPr>
+                    </a:p>
+                  </a:txBody>
+                  <a:tcPr>
+                    <a:solidFill>
+                      <a:schemeClr val="accent6"/>
+                    </a:solidFill>
+                  </a:tcPr>
+                </a:tc>
+                <a:tc>
+                  <a:txBody>
+                    <a:bodyPr/>
+                    <a:lstStyle/>
+                    <a:p>
+                      <a:pPr algn="ctr"/>
+                      <a:r>
+                        <a:rPr lang="en-US" altLang="zh-CN" dirty="0">
+                          <a:solidFill>
+                            <a:schemeClr val="tx1"/>
+                          </a:solidFill>
+                        </a:rPr>
+                        <a:t>5</a:t>
+                      </a:r>
+                      <a:endParaRPr lang="zh-CN" altLang="en-US" dirty="0">
+                        <a:solidFill>
+                          <a:schemeClr val="tx1"/>
+                        </a:solidFill>
+                      </a:endParaRPr>
+                    </a:p>
+                  </a:txBody>
+                  <a:tcPr>
+                    <a:solidFill>
+                      <a:srgbClr val="FF0000"/>
+                    </a:solidFill>
+                  </a:tcPr>
+                </a:tc>
+                <a:extLst>
+                  <a:ext uri="{0D108BD9-81ED-4DB2-BD59-A6C34878D82A}">
+                    <a16:rowId xmlns:a16="http://schemas.microsoft.com/office/drawing/2014/main" val="264992108"/>
+                  </a:ext>
+                </a:extLst>
+              </a:tr>
+            </a:tbl>
+          </a:graphicData>
+        </a:graphic>
+      </p:graphicFrame>
+      <p:sp>
+        <p:nvSpPr>
+          <p:cNvPr id="3" name="矩形 2">
+            <a:extLst>
+              <a:ext uri="{FF2B5EF4-FFF2-40B4-BE49-F238E27FC236}">
+                <a16:creationId xmlns:a16="http://schemas.microsoft.com/office/drawing/2014/main" id="{5B96DCF1-6805-5749-8607-47C1A1DB05A3}"/>
+              </a:ext>
+            </a:extLst>
+          </p:cNvPr>
+          <p:cNvSpPr/>
+          <p:nvPr/>
+        </p:nvSpPr>
+        <p:spPr>
+          <a:xfrm>
+            <a:off x="3927064" y="1188448"/>
+            <a:ext cx="279244" cy="369332"/>
+          </a:xfrm>
+          <a:prstGeom prst="rect">
+            <a:avLst/>
+          </a:prstGeom>
+        </p:spPr>
+        <p:txBody>
+          <a:bodyPr wrap="none">
+            <a:spAutoFit/>
+          </a:bodyPr>
+          <a:lstStyle/>
+          <a:p>
+            <a:r>
+              <a:rPr lang="en" altLang="zh-CN" dirty="0"/>
+              <a:t>s</a:t>
+            </a:r>
+            <a:endParaRPr lang="zh-CN" altLang="en-US" dirty="0"/>
+          </a:p>
+        </p:txBody>
+      </p:sp>
+      <p:sp>
+        <p:nvSpPr>
+          <p:cNvPr id="4" name="右大括号 3">
+            <a:extLst>
+              <a:ext uri="{FF2B5EF4-FFF2-40B4-BE49-F238E27FC236}">
+                <a16:creationId xmlns:a16="http://schemas.microsoft.com/office/drawing/2014/main" id="{518510B5-D38D-EF4D-A465-35E5606C2F59}"/>
+              </a:ext>
+            </a:extLst>
+          </p:cNvPr>
+          <p:cNvSpPr/>
+          <p:nvPr/>
+        </p:nvSpPr>
+        <p:spPr>
+          <a:xfrm rot="16200000">
+            <a:off x="6868746" y="-887774"/>
+            <a:ext cx="419100" cy="3730328"/>
+          </a:xfrm>
+          <a:prstGeom prst="rightBrace">
+            <a:avLst/>
+          </a:prstGeom>
+        </p:spPr>
+        <p:style>
+          <a:lnRef idx="1">
+            <a:schemeClr val="accent1"/>
+          </a:lnRef>
+          <a:fillRef idx="0">
+            <a:schemeClr val="accent1"/>
+          </a:fillRef>
+          <a:effectRef idx="0">
+            <a:schemeClr val="accent1"/>
+          </a:effectRef>
+          <a:fontRef idx="minor">
+            <a:schemeClr val="tx1"/>
+          </a:fontRef>
+        </p:style>
+        <p:txBody>
+          <a:bodyPr rtlCol="0" anchor="ctr"/>
+          <a:lstStyle/>
+          <a:p>
+            <a:pPr algn="ctr"/>
+            <a:endParaRPr kumimoji="1" lang="zh-CN" altLang="en-US"/>
+          </a:p>
+        </p:txBody>
+      </p:sp>
+      <p:sp>
+        <p:nvSpPr>
+          <p:cNvPr id="5" name="文本框 4">
+            <a:extLst>
+              <a:ext uri="{FF2B5EF4-FFF2-40B4-BE49-F238E27FC236}">
+                <a16:creationId xmlns:a16="http://schemas.microsoft.com/office/drawing/2014/main" id="{D969C03E-2965-1D4E-A71D-A11096296DD1}"/>
+              </a:ext>
+            </a:extLst>
+          </p:cNvPr>
+          <p:cNvSpPr txBox="1"/>
+          <p:nvPr/>
+        </p:nvSpPr>
+        <p:spPr>
+          <a:xfrm>
+            <a:off x="6171474" y="337535"/>
+            <a:ext cx="1806905" cy="369332"/>
+          </a:xfrm>
+          <a:prstGeom prst="rect">
+            <a:avLst/>
+          </a:prstGeom>
+          <a:noFill/>
+        </p:spPr>
+        <p:txBody>
+          <a:bodyPr wrap="none" rtlCol="0">
+            <a:spAutoFit/>
+          </a:bodyPr>
+          <a:lstStyle/>
+          <a:p>
+            <a:r>
+              <a:rPr kumimoji="1" lang="en-US" altLang="zh-CN" dirty="0"/>
+              <a:t>Next[</a:t>
+            </a:r>
+            <a:r>
+              <a:rPr kumimoji="1" lang="en-US" altLang="zh-CN" dirty="0" err="1"/>
+              <a:t>len</a:t>
+            </a:r>
+            <a:r>
+              <a:rPr kumimoji="1" lang="en-US" altLang="zh-CN" dirty="0"/>
+              <a:t>(s)-1]=k</a:t>
+            </a:r>
+            <a:endParaRPr kumimoji="1" lang="zh-CN" altLang="en-US" dirty="0"/>
+          </a:p>
+        </p:txBody>
+      </p:sp>
+      <p:sp>
+        <p:nvSpPr>
+          <p:cNvPr id="20" name="右大括号 19">
+            <a:extLst>
+              <a:ext uri="{FF2B5EF4-FFF2-40B4-BE49-F238E27FC236}">
+                <a16:creationId xmlns:a16="http://schemas.microsoft.com/office/drawing/2014/main" id="{D962AC79-62E3-6940-8ACA-6E886F7CBEC9}"/>
+              </a:ext>
+            </a:extLst>
+          </p:cNvPr>
+          <p:cNvSpPr/>
+          <p:nvPr/>
+        </p:nvSpPr>
+        <p:spPr>
+          <a:xfrm rot="16200000">
+            <a:off x="4586232" y="565554"/>
+            <a:ext cx="419100" cy="823671"/>
+          </a:xfrm>
+          <a:prstGeom prst="rightBrace">
+            <a:avLst>
+              <a:gd name="adj1" fmla="val 8333"/>
+              <a:gd name="adj2" fmla="val 48724"/>
+            </a:avLst>
+          </a:prstGeom>
+        </p:spPr>
+        <p:style>
+          <a:lnRef idx="1">
+            <a:schemeClr val="accent1"/>
+          </a:lnRef>
+          <a:fillRef idx="0">
+            <a:schemeClr val="accent1"/>
+          </a:fillRef>
+          <a:effectRef idx="0">
+            <a:schemeClr val="accent1"/>
+          </a:effectRef>
+          <a:fontRef idx="minor">
+            <a:schemeClr val="tx1"/>
+          </a:fontRef>
+        </p:style>
+        <p:txBody>
+          <a:bodyPr rtlCol="0" anchor="ctr"/>
+          <a:lstStyle/>
+          <a:p>
+            <a:pPr algn="ctr"/>
+            <a:endParaRPr kumimoji="1" lang="zh-CN" altLang="en-US"/>
+          </a:p>
+        </p:txBody>
+      </p:sp>
+      <p:sp>
+        <p:nvSpPr>
+          <p:cNvPr id="17" name="文本框 16">
+            <a:extLst>
+              <a:ext uri="{FF2B5EF4-FFF2-40B4-BE49-F238E27FC236}">
+                <a16:creationId xmlns:a16="http://schemas.microsoft.com/office/drawing/2014/main" id="{AC5979D1-1E3F-4840-A7D7-0D4026C51AB8}"/>
+              </a:ext>
+            </a:extLst>
+          </p:cNvPr>
+          <p:cNvSpPr txBox="1"/>
+          <p:nvPr/>
+        </p:nvSpPr>
+        <p:spPr>
+          <a:xfrm>
+            <a:off x="4328346" y="410057"/>
+            <a:ext cx="934871" cy="369332"/>
+          </a:xfrm>
+          <a:prstGeom prst="rect">
+            <a:avLst/>
+          </a:prstGeom>
+          <a:noFill/>
+        </p:spPr>
+        <p:txBody>
+          <a:bodyPr wrap="none" rtlCol="0">
+            <a:spAutoFit/>
+          </a:bodyPr>
+          <a:lstStyle/>
+          <a:p>
+            <a:r>
+              <a:rPr kumimoji="1" lang="en-US" altLang="zh-CN" dirty="0" err="1"/>
+              <a:t>len</a:t>
+            </a:r>
+            <a:r>
+              <a:rPr kumimoji="1" lang="en-US" altLang="zh-CN" dirty="0"/>
+              <a:t>(s)-k</a:t>
+            </a:r>
+            <a:endParaRPr kumimoji="1" lang="zh-CN" altLang="en-US" dirty="0"/>
+          </a:p>
+        </p:txBody>
+      </p:sp>
+      <p:graphicFrame>
+        <p:nvGraphicFramePr>
+          <p:cNvPr id="16" name="表格 2">
+            <a:extLst>
+              <a:ext uri="{FF2B5EF4-FFF2-40B4-BE49-F238E27FC236}">
+                <a16:creationId xmlns:a16="http://schemas.microsoft.com/office/drawing/2014/main" id="{7411542A-A21F-D549-9365-C6AF08F74F1F}"/>
+              </a:ext>
+            </a:extLst>
+          </p:cNvPr>
+          <p:cNvGraphicFramePr>
+            <a:graphicFrameLocks noGrp="1"/>
+          </p:cNvGraphicFramePr>
+          <p:nvPr>
+            <p:extLst>
+              <p:ext uri="{D42A27DB-BD31-4B8C-83A1-F6EECF244321}">
+                <p14:modId xmlns:p14="http://schemas.microsoft.com/office/powerpoint/2010/main" val="3365449433"/>
+              </p:ext>
+            </p:extLst>
+          </p:nvPr>
+        </p:nvGraphicFramePr>
+        <p:xfrm>
+          <a:off x="3885024" y="2388095"/>
+          <a:ext cx="4554000" cy="370840"/>
+        </p:xfrm>
+        <a:graphic>
+          <a:graphicData uri="http://schemas.openxmlformats.org/drawingml/2006/table">
+            <a:tbl>
+              <a:tblPr firstRow="1" bandRow="1">
+                <a:tableStyleId>{21E4AEA4-8DFA-4A89-87EB-49C32662AFE0}</a:tableStyleId>
+              </a:tblPr>
+              <a:tblGrid>
+                <a:gridCol w="810000">
+                  <a:extLst>
+                    <a:ext uri="{9D8B030D-6E8A-4147-A177-3AD203B41FA5}">
+                      <a16:colId xmlns:a16="http://schemas.microsoft.com/office/drawing/2014/main" val="28619434"/>
+                    </a:ext>
+                  </a:extLst>
+                </a:gridCol>
+                <a:gridCol w="810000">
+                  <a:extLst>
+                    <a:ext uri="{9D8B030D-6E8A-4147-A177-3AD203B41FA5}">
+                      <a16:colId xmlns:a16="http://schemas.microsoft.com/office/drawing/2014/main" val="1419486052"/>
+                    </a:ext>
+                  </a:extLst>
+                </a:gridCol>
+                <a:gridCol w="810000">
+                  <a:extLst>
+                    <a:ext uri="{9D8B030D-6E8A-4147-A177-3AD203B41FA5}">
+                      <a16:colId xmlns:a16="http://schemas.microsoft.com/office/drawing/2014/main" val="3893012179"/>
+                    </a:ext>
+                  </a:extLst>
+                </a:gridCol>
+                <a:gridCol w="810000">
+                  <a:extLst>
+                    <a:ext uri="{9D8B030D-6E8A-4147-A177-3AD203B41FA5}">
+                      <a16:colId xmlns:a16="http://schemas.microsoft.com/office/drawing/2014/main" val="2189662055"/>
+                    </a:ext>
+                  </a:extLst>
+                </a:gridCol>
+                <a:gridCol w="810000">
+                  <a:extLst>
+                    <a:ext uri="{9D8B030D-6E8A-4147-A177-3AD203B41FA5}">
+                      <a16:colId xmlns:a16="http://schemas.microsoft.com/office/drawing/2014/main" val="1495378164"/>
+                    </a:ext>
+                  </a:extLst>
+                </a:gridCol>
+                <a:gridCol w="504000">
+                  <a:extLst>
+                    <a:ext uri="{9D8B030D-6E8A-4147-A177-3AD203B41FA5}">
+                      <a16:colId xmlns:a16="http://schemas.microsoft.com/office/drawing/2014/main" val="2949065674"/>
+                    </a:ext>
+                  </a:extLst>
+                </a:gridCol>
+              </a:tblGrid>
+              <a:tr h="370840">
+                <a:tc>
+                  <a:txBody>
+                    <a:bodyPr/>
+                    <a:lstStyle/>
+                    <a:p>
+                      <a:pPr algn="ctr"/>
+                      <a:r>
+                        <a:rPr lang="en-US" altLang="zh-CN" dirty="0">
+                          <a:solidFill>
+                            <a:schemeClr val="tx1"/>
+                          </a:solidFill>
+                        </a:rPr>
+                        <a:t>0</a:t>
+                      </a:r>
+                      <a:endParaRPr lang="zh-CN" altLang="en-US" dirty="0">
+                        <a:solidFill>
+                          <a:schemeClr val="tx1"/>
+                        </a:solidFill>
+                      </a:endParaRPr>
+                    </a:p>
+                  </a:txBody>
+                  <a:tcPr>
+                    <a:solidFill>
+                      <a:schemeClr val="accent2"/>
+                    </a:solidFill>
+                  </a:tcPr>
+                </a:tc>
+                <a:tc>
+                  <a:txBody>
+                    <a:bodyPr/>
+                    <a:lstStyle/>
+                    <a:p>
+                      <a:pPr algn="ctr"/>
+                      <a:r>
+                        <a:rPr lang="en-US" altLang="zh-CN" dirty="0">
+                          <a:solidFill>
+                            <a:schemeClr val="tx1"/>
+                          </a:solidFill>
+                        </a:rPr>
+                        <a:t>1</a:t>
+                      </a:r>
+                      <a:endParaRPr lang="zh-CN" altLang="en-US" dirty="0">
+                        <a:solidFill>
+                          <a:schemeClr val="tx1"/>
+                        </a:solidFill>
+                      </a:endParaRPr>
+                    </a:p>
+                  </a:txBody>
+                  <a:tcPr>
+                    <a:solidFill>
+                      <a:schemeClr val="accent6"/>
+                    </a:solidFill>
+                  </a:tcPr>
+                </a:tc>
+                <a:tc>
+                  <a:txBody>
+                    <a:bodyPr/>
+                    <a:lstStyle/>
+                    <a:p>
+                      <a:pPr algn="ctr"/>
+                      <a:r>
+                        <a:rPr lang="en-US" altLang="zh-CN" dirty="0">
+                          <a:solidFill>
+                            <a:schemeClr val="tx1"/>
+                          </a:solidFill>
+                        </a:rPr>
+                        <a:t>2</a:t>
+                      </a:r>
+                      <a:endParaRPr lang="zh-CN" altLang="en-US" dirty="0">
+                        <a:solidFill>
+                          <a:schemeClr val="tx1"/>
+                        </a:solidFill>
+                      </a:endParaRPr>
+                    </a:p>
+                  </a:txBody>
+                  <a:tcPr>
+                    <a:solidFill>
+                      <a:schemeClr val="accent6"/>
+                    </a:solidFill>
+                  </a:tcPr>
+                </a:tc>
+                <a:tc>
+                  <a:txBody>
+                    <a:bodyPr/>
+                    <a:lstStyle/>
+                    <a:p>
+                      <a:pPr algn="ctr"/>
+                      <a:r>
+                        <a:rPr lang="en-US" altLang="zh-CN" dirty="0">
+                          <a:solidFill>
+                            <a:schemeClr val="tx1"/>
+                          </a:solidFill>
+                        </a:rPr>
+                        <a:t>3</a:t>
+                      </a:r>
+                      <a:endParaRPr lang="zh-CN" altLang="en-US" dirty="0">
+                        <a:solidFill>
+                          <a:schemeClr val="tx1"/>
+                        </a:solidFill>
+                      </a:endParaRPr>
+                    </a:p>
+                  </a:txBody>
+                  <a:tcPr>
+                    <a:solidFill>
+                      <a:schemeClr val="accent6"/>
+                    </a:solidFill>
+                  </a:tcPr>
+                </a:tc>
+                <a:tc>
+                  <a:txBody>
+                    <a:bodyPr/>
+                    <a:lstStyle/>
+                    <a:p>
+                      <a:pPr algn="ctr"/>
+                      <a:r>
+                        <a:rPr lang="en-US" altLang="zh-CN" dirty="0">
+                          <a:solidFill>
+                            <a:schemeClr val="tx1"/>
+                          </a:solidFill>
+                        </a:rPr>
+                        <a:t>4</a:t>
+                      </a:r>
+                      <a:endParaRPr lang="zh-CN" altLang="en-US" dirty="0">
+                        <a:solidFill>
+                          <a:schemeClr val="tx1"/>
+                        </a:solidFill>
+                      </a:endParaRPr>
+                    </a:p>
+                  </a:txBody>
+                  <a:tcPr>
+                    <a:solidFill>
+                      <a:schemeClr val="accent6"/>
+                    </a:solidFill>
+                  </a:tcPr>
+                </a:tc>
+                <a:tc>
+                  <a:txBody>
+                    <a:bodyPr/>
+                    <a:lstStyle/>
+                    <a:p>
+                      <a:pPr algn="ctr"/>
+                      <a:r>
+                        <a:rPr lang="en-US" altLang="zh-CN" dirty="0">
+                          <a:solidFill>
+                            <a:schemeClr val="tx1"/>
+                          </a:solidFill>
+                        </a:rPr>
+                        <a:t>5</a:t>
+                      </a:r>
+                      <a:endParaRPr lang="zh-CN" altLang="en-US" dirty="0">
+                        <a:solidFill>
+                          <a:schemeClr val="tx1"/>
+                        </a:solidFill>
+                      </a:endParaRPr>
+                    </a:p>
+                  </a:txBody>
+                  <a:tcPr>
+                    <a:solidFill>
+                      <a:srgbClr val="FF0000"/>
+                    </a:solidFill>
+                  </a:tcPr>
+                </a:tc>
+                <a:extLst>
+                  <a:ext uri="{0D108BD9-81ED-4DB2-BD59-A6C34878D82A}">
+                    <a16:rowId xmlns:a16="http://schemas.microsoft.com/office/drawing/2014/main" val="264992108"/>
+                  </a:ext>
+                </a:extLst>
+              </a:tr>
+            </a:tbl>
+          </a:graphicData>
+        </a:graphic>
+      </p:graphicFrame>
+      <p:cxnSp>
+        <p:nvCxnSpPr>
+          <p:cNvPr id="7" name="直线连接符 6">
+            <a:extLst>
+              <a:ext uri="{FF2B5EF4-FFF2-40B4-BE49-F238E27FC236}">
+                <a16:creationId xmlns:a16="http://schemas.microsoft.com/office/drawing/2014/main" id="{4F40F801-1D25-7D46-BFF4-7787DFCAC5ED}"/>
+              </a:ext>
+            </a:extLst>
+          </p:cNvPr>
+          <p:cNvCxnSpPr>
+            <a:cxnSpLocks/>
+          </p:cNvCxnSpPr>
+          <p:nvPr/>
+        </p:nvCxnSpPr>
+        <p:spPr>
+          <a:xfrm flipV="1">
+            <a:off x="8439024" y="1372360"/>
+            <a:ext cx="0" cy="1187771"/>
+          </a:xfrm>
+          <a:prstGeom prst="line">
+            <a:avLst/>
+          </a:prstGeom>
+          <a:ln w="22225">
+            <a:solidFill>
+              <a:schemeClr val="accent5">
+                <a:lumMod val="75000"/>
+              </a:schemeClr>
+            </a:solidFill>
+          </a:ln>
+        </p:spPr>
+        <p:style>
+          <a:lnRef idx="1">
+            <a:schemeClr val="accent1"/>
+          </a:lnRef>
+          <a:fillRef idx="0">
+            <a:schemeClr val="accent1"/>
+          </a:fillRef>
+          <a:effectRef idx="0">
+            <a:schemeClr val="accent1"/>
+          </a:effectRef>
+          <a:fontRef idx="minor">
+            <a:schemeClr val="tx1"/>
+          </a:fontRef>
+        </p:style>
+      </p:cxnSp>
+      <p:cxnSp>
+        <p:nvCxnSpPr>
+          <p:cNvPr id="23" name="直线连接符 22">
+            <a:extLst>
+              <a:ext uri="{FF2B5EF4-FFF2-40B4-BE49-F238E27FC236}">
+                <a16:creationId xmlns:a16="http://schemas.microsoft.com/office/drawing/2014/main" id="{66DE8074-FF58-3B4C-8607-6927BC9176BF}"/>
+              </a:ext>
+            </a:extLst>
+          </p:cNvPr>
+          <p:cNvCxnSpPr>
+            <a:cxnSpLocks/>
+          </p:cNvCxnSpPr>
+          <p:nvPr/>
+        </p:nvCxnSpPr>
+        <p:spPr>
+          <a:xfrm flipV="1">
+            <a:off x="4394456" y="1385744"/>
+            <a:ext cx="0" cy="1187771"/>
+          </a:xfrm>
+          <a:prstGeom prst="line">
+            <a:avLst/>
+          </a:prstGeom>
+          <a:ln w="22225">
+            <a:solidFill>
+              <a:schemeClr val="accent5">
+                <a:lumMod val="75000"/>
+              </a:schemeClr>
+            </a:solidFill>
+          </a:ln>
+        </p:spPr>
+        <p:style>
+          <a:lnRef idx="1">
+            <a:schemeClr val="accent1"/>
+          </a:lnRef>
+          <a:fillRef idx="0">
+            <a:schemeClr val="accent1"/>
+          </a:fillRef>
+          <a:effectRef idx="0">
+            <a:schemeClr val="accent1"/>
+          </a:effectRef>
+          <a:fontRef idx="minor">
+            <a:schemeClr val="tx1"/>
+          </a:fontRef>
+        </p:style>
+      </p:cxnSp>
+      <p:cxnSp>
+        <p:nvCxnSpPr>
+          <p:cNvPr id="10" name="直线箭头连接符 9">
+            <a:extLst>
+              <a:ext uri="{FF2B5EF4-FFF2-40B4-BE49-F238E27FC236}">
+                <a16:creationId xmlns:a16="http://schemas.microsoft.com/office/drawing/2014/main" id="{84181CF1-E186-3B46-8E06-2358EE6AD1FB}"/>
+              </a:ext>
+            </a:extLst>
+          </p:cNvPr>
+          <p:cNvCxnSpPr>
+            <a:cxnSpLocks/>
+          </p:cNvCxnSpPr>
+          <p:nvPr/>
+        </p:nvCxnSpPr>
+        <p:spPr>
+          <a:xfrm>
+            <a:off x="4394456" y="1861141"/>
+            <a:ext cx="4044568" cy="0"/>
+          </a:xfrm>
+          <a:prstGeom prst="straightConnector1">
+            <a:avLst/>
+          </a:prstGeom>
+          <a:ln w="28575">
+            <a:headEnd type="arrow" w="lg" len="lg"/>
+            <a:tailEnd type="arrow" w="lg" len="lg"/>
+          </a:ln>
+        </p:spPr>
+        <p:style>
+          <a:lnRef idx="1">
+            <a:schemeClr val="accent1"/>
+          </a:lnRef>
+          <a:fillRef idx="0">
+            <a:schemeClr val="accent1"/>
+          </a:fillRef>
+          <a:effectRef idx="0">
+            <a:schemeClr val="accent1"/>
+          </a:effectRef>
+          <a:fontRef idx="minor">
+            <a:schemeClr val="tx1"/>
+          </a:fontRef>
+        </p:style>
+      </p:cxnSp>
+      <p:sp>
+        <p:nvSpPr>
+          <p:cNvPr id="14" name="文本框 13">
+            <a:extLst>
+              <a:ext uri="{FF2B5EF4-FFF2-40B4-BE49-F238E27FC236}">
+                <a16:creationId xmlns:a16="http://schemas.microsoft.com/office/drawing/2014/main" id="{9D5266BF-2D26-0F47-A4DB-1F5FBDE9603B}"/>
+              </a:ext>
+            </a:extLst>
+          </p:cNvPr>
+          <p:cNvSpPr txBox="1"/>
+          <p:nvPr/>
+        </p:nvSpPr>
+        <p:spPr>
+          <a:xfrm>
+            <a:off x="4582605" y="1939952"/>
+            <a:ext cx="3647152" cy="369332"/>
+          </a:xfrm>
+          <a:prstGeom prst="rect">
+            <a:avLst/>
+          </a:prstGeom>
+          <a:noFill/>
+        </p:spPr>
+        <p:txBody>
+          <a:bodyPr wrap="none" rtlCol="0">
+            <a:spAutoFit/>
+          </a:bodyPr>
+          <a:lstStyle/>
+          <a:p>
+            <a:r>
+              <a:rPr kumimoji="1" lang="zh-CN" altLang="en-US" dirty="0"/>
+              <a:t>根据定义这是公共部分，是相等的</a:t>
+            </a:r>
+          </a:p>
+        </p:txBody>
+      </p:sp>
+      <p:graphicFrame>
+        <p:nvGraphicFramePr>
+          <p:cNvPr id="28" name="表格 2">
+            <a:extLst>
+              <a:ext uri="{FF2B5EF4-FFF2-40B4-BE49-F238E27FC236}">
+                <a16:creationId xmlns:a16="http://schemas.microsoft.com/office/drawing/2014/main" id="{D2DBAE4D-17A5-6B4A-9BE2-45D01A559A88}"/>
+              </a:ext>
+            </a:extLst>
+          </p:cNvPr>
+          <p:cNvGraphicFramePr>
+            <a:graphicFrameLocks noGrp="1"/>
+          </p:cNvGraphicFramePr>
+          <p:nvPr>
+            <p:extLst>
+              <p:ext uri="{D42A27DB-BD31-4B8C-83A1-F6EECF244321}">
+                <p14:modId xmlns:p14="http://schemas.microsoft.com/office/powerpoint/2010/main" val="224059683"/>
+              </p:ext>
+            </p:extLst>
+          </p:nvPr>
+        </p:nvGraphicFramePr>
+        <p:xfrm>
+          <a:off x="8439024" y="2631378"/>
+          <a:ext cx="337111" cy="370840"/>
+        </p:xfrm>
+        <a:graphic>
+          <a:graphicData uri="http://schemas.openxmlformats.org/drawingml/2006/table">
+            <a:tbl>
+              <a:tblPr firstRow="1" bandRow="1">
+                <a:tableStyleId>{21E4AEA4-8DFA-4A89-87EB-49C32662AFE0}</a:tableStyleId>
+              </a:tblPr>
+              <a:tblGrid>
+                <a:gridCol w="337111">
+                  <a:extLst>
+                    <a:ext uri="{9D8B030D-6E8A-4147-A177-3AD203B41FA5}">
+                      <a16:colId xmlns:a16="http://schemas.microsoft.com/office/drawing/2014/main" val="2949065674"/>
+                    </a:ext>
+                  </a:extLst>
+                </a:gridCol>
+              </a:tblGrid>
+              <a:tr h="370840">
+                <a:tc>
+                  <a:txBody>
+                    <a:bodyPr/>
+                    <a:lstStyle/>
+                    <a:p>
+                      <a:pPr algn="ctr"/>
+                      <a:r>
+                        <a:rPr lang="en-US" altLang="zh-CN" dirty="0">
+                          <a:solidFill>
+                            <a:schemeClr val="tx1"/>
+                          </a:solidFill>
+                        </a:rPr>
+                        <a:t>6</a:t>
+                      </a:r>
+                      <a:endParaRPr lang="zh-CN" altLang="en-US" dirty="0">
+                        <a:solidFill>
+                          <a:schemeClr val="tx1"/>
+                        </a:solidFill>
+                      </a:endParaRPr>
+                    </a:p>
+                  </a:txBody>
+                  <a:tcPr>
+                    <a:solidFill>
+                      <a:schemeClr val="accent1"/>
+                    </a:solidFill>
+                  </a:tcPr>
+                </a:tc>
+                <a:extLst>
+                  <a:ext uri="{0D108BD9-81ED-4DB2-BD59-A6C34878D82A}">
+                    <a16:rowId xmlns:a16="http://schemas.microsoft.com/office/drawing/2014/main" val="264992108"/>
+                  </a:ext>
+                </a:extLst>
+              </a:tr>
+            </a:tbl>
+          </a:graphicData>
+        </a:graphic>
+      </p:graphicFrame>
+      <p:cxnSp>
+        <p:nvCxnSpPr>
+          <p:cNvPr id="29" name="直线连接符 28">
+            <a:extLst>
+              <a:ext uri="{FF2B5EF4-FFF2-40B4-BE49-F238E27FC236}">
+                <a16:creationId xmlns:a16="http://schemas.microsoft.com/office/drawing/2014/main" id="{0531B0AD-BA42-0249-9148-F48497A4AD5D}"/>
+              </a:ext>
+            </a:extLst>
+          </p:cNvPr>
+          <p:cNvCxnSpPr>
+            <a:cxnSpLocks/>
+            <a:stCxn id="28" idx="3"/>
+          </p:cNvCxnSpPr>
+          <p:nvPr/>
+        </p:nvCxnSpPr>
+        <p:spPr>
+          <a:xfrm flipV="1">
+            <a:off x="8776135" y="1481960"/>
+            <a:ext cx="0" cy="1334838"/>
+          </a:xfrm>
+          <a:prstGeom prst="line">
+            <a:avLst/>
+          </a:prstGeom>
+          <a:ln w="22225">
+            <a:solidFill>
+              <a:schemeClr val="accent5">
+                <a:lumMod val="75000"/>
+              </a:schemeClr>
+            </a:solidFill>
+          </a:ln>
+        </p:spPr>
+        <p:style>
+          <a:lnRef idx="1">
+            <a:schemeClr val="accent1"/>
+          </a:lnRef>
+          <a:fillRef idx="0">
+            <a:schemeClr val="accent1"/>
+          </a:fillRef>
+          <a:effectRef idx="0">
+            <a:schemeClr val="accent1"/>
+          </a:effectRef>
+          <a:fontRef idx="minor">
+            <a:schemeClr val="tx1"/>
+          </a:fontRef>
+        </p:style>
+      </p:cxnSp>
+      <p:sp>
+        <p:nvSpPr>
+          <p:cNvPr id="30" name="文本框 29">
+            <a:extLst>
+              <a:ext uri="{FF2B5EF4-FFF2-40B4-BE49-F238E27FC236}">
+                <a16:creationId xmlns:a16="http://schemas.microsoft.com/office/drawing/2014/main" id="{2DE4013E-CAB4-FB40-BCE8-C97D928FFFAA}"/>
+              </a:ext>
+            </a:extLst>
+          </p:cNvPr>
+          <p:cNvSpPr txBox="1"/>
+          <p:nvPr/>
+        </p:nvSpPr>
+        <p:spPr>
+          <a:xfrm>
+            <a:off x="4066686" y="3154468"/>
+            <a:ext cx="6429965" cy="369332"/>
+          </a:xfrm>
+          <a:prstGeom prst="rect">
+            <a:avLst/>
+          </a:prstGeom>
+          <a:noFill/>
+        </p:spPr>
+        <p:txBody>
+          <a:bodyPr wrap="none" rtlCol="0">
+            <a:spAutoFit/>
+          </a:bodyPr>
+          <a:lstStyle/>
+          <a:p>
+            <a:r>
+              <a:rPr kumimoji="1" lang="zh-CN" altLang="en-US" dirty="0"/>
+              <a:t>加入一个</a:t>
+            </a:r>
+            <a:r>
+              <a:rPr kumimoji="1" lang="en-US" altLang="zh-CN" dirty="0"/>
+              <a:t>6</a:t>
+            </a:r>
+            <a:r>
+              <a:rPr kumimoji="1" lang="zh-CN" altLang="en-US" dirty="0"/>
+              <a:t>部分（与</a:t>
+            </a:r>
+            <a:r>
+              <a:rPr kumimoji="1" lang="en-US" altLang="zh-CN" dirty="0"/>
+              <a:t>5</a:t>
+            </a:r>
+            <a:r>
+              <a:rPr kumimoji="1" lang="zh-CN" altLang="en-US" dirty="0"/>
+              <a:t>前缀相等），就可以使得整段演变成下图</a:t>
+            </a:r>
+          </a:p>
+        </p:txBody>
+      </p:sp>
+      <p:graphicFrame>
+        <p:nvGraphicFramePr>
+          <p:cNvPr id="31" name="表格 2">
+            <a:extLst>
+              <a:ext uri="{FF2B5EF4-FFF2-40B4-BE49-F238E27FC236}">
+                <a16:creationId xmlns:a16="http://schemas.microsoft.com/office/drawing/2014/main" id="{E3DF58EC-B92A-9949-BA6E-A5082BC09994}"/>
+              </a:ext>
+            </a:extLst>
+          </p:cNvPr>
+          <p:cNvGraphicFramePr>
+            <a:graphicFrameLocks noGrp="1"/>
+          </p:cNvGraphicFramePr>
+          <p:nvPr>
+            <p:extLst>
+              <p:ext uri="{D42A27DB-BD31-4B8C-83A1-F6EECF244321}">
+                <p14:modId xmlns:p14="http://schemas.microsoft.com/office/powerpoint/2010/main" val="2789331188"/>
+              </p:ext>
+            </p:extLst>
+          </p:nvPr>
+        </p:nvGraphicFramePr>
+        <p:xfrm>
+          <a:off x="4242372" y="4425504"/>
+          <a:ext cx="4554000" cy="370840"/>
+        </p:xfrm>
+        <a:graphic>
+          <a:graphicData uri="http://schemas.openxmlformats.org/drawingml/2006/table">
+            <a:tbl>
+              <a:tblPr firstRow="1" bandRow="1">
+                <a:tableStyleId>{21E4AEA4-8DFA-4A89-87EB-49C32662AFE0}</a:tableStyleId>
+              </a:tblPr>
+              <a:tblGrid>
+                <a:gridCol w="810000">
+                  <a:extLst>
+                    <a:ext uri="{9D8B030D-6E8A-4147-A177-3AD203B41FA5}">
+                      <a16:colId xmlns:a16="http://schemas.microsoft.com/office/drawing/2014/main" val="28619434"/>
+                    </a:ext>
+                  </a:extLst>
+                </a:gridCol>
+                <a:gridCol w="810000">
+                  <a:extLst>
+                    <a:ext uri="{9D8B030D-6E8A-4147-A177-3AD203B41FA5}">
+                      <a16:colId xmlns:a16="http://schemas.microsoft.com/office/drawing/2014/main" val="1419486052"/>
+                    </a:ext>
+                  </a:extLst>
+                </a:gridCol>
+                <a:gridCol w="810000">
+                  <a:extLst>
+                    <a:ext uri="{9D8B030D-6E8A-4147-A177-3AD203B41FA5}">
+                      <a16:colId xmlns:a16="http://schemas.microsoft.com/office/drawing/2014/main" val="3893012179"/>
+                    </a:ext>
+                  </a:extLst>
+                </a:gridCol>
+                <a:gridCol w="810000">
+                  <a:extLst>
+                    <a:ext uri="{9D8B030D-6E8A-4147-A177-3AD203B41FA5}">
+                      <a16:colId xmlns:a16="http://schemas.microsoft.com/office/drawing/2014/main" val="2189662055"/>
+                    </a:ext>
+                  </a:extLst>
+                </a:gridCol>
+                <a:gridCol w="810000">
+                  <a:extLst>
+                    <a:ext uri="{9D8B030D-6E8A-4147-A177-3AD203B41FA5}">
+                      <a16:colId xmlns:a16="http://schemas.microsoft.com/office/drawing/2014/main" val="1495378164"/>
+                    </a:ext>
+                  </a:extLst>
+                </a:gridCol>
+                <a:gridCol w="504000">
+                  <a:extLst>
+                    <a:ext uri="{9D8B030D-6E8A-4147-A177-3AD203B41FA5}">
+                      <a16:colId xmlns:a16="http://schemas.microsoft.com/office/drawing/2014/main" val="2949065674"/>
+                    </a:ext>
+                  </a:extLst>
+                </a:gridCol>
+              </a:tblGrid>
+              <a:tr h="370840">
+                <a:tc>
+                  <a:txBody>
+                    <a:bodyPr/>
+                    <a:lstStyle/>
+                    <a:p>
+                      <a:pPr algn="ctr"/>
+                      <a:r>
+                        <a:rPr lang="en-US" altLang="zh-CN" dirty="0">
+                          <a:solidFill>
+                            <a:schemeClr val="tx1"/>
+                          </a:solidFill>
+                        </a:rPr>
+                        <a:t>0</a:t>
+                      </a:r>
+                      <a:endParaRPr lang="zh-CN" altLang="en-US" dirty="0">
+                        <a:solidFill>
+                          <a:schemeClr val="tx1"/>
+                        </a:solidFill>
+                      </a:endParaRPr>
+                    </a:p>
+                  </a:txBody>
+                  <a:tcPr>
+                    <a:solidFill>
+                      <a:schemeClr val="accent2"/>
+                    </a:solidFill>
+                  </a:tcPr>
+                </a:tc>
+                <a:tc>
+                  <a:txBody>
+                    <a:bodyPr/>
+                    <a:lstStyle/>
+                    <a:p>
+                      <a:pPr algn="ctr"/>
+                      <a:r>
+                        <a:rPr lang="en-US" altLang="zh-CN" dirty="0">
+                          <a:solidFill>
+                            <a:schemeClr val="tx1"/>
+                          </a:solidFill>
+                        </a:rPr>
+                        <a:t>1</a:t>
+                      </a:r>
+                      <a:endParaRPr lang="zh-CN" altLang="en-US" dirty="0">
+                        <a:solidFill>
+                          <a:schemeClr val="tx1"/>
+                        </a:solidFill>
+                      </a:endParaRPr>
+                    </a:p>
+                  </a:txBody>
+                  <a:tcPr>
+                    <a:solidFill>
+                      <a:schemeClr val="accent6"/>
+                    </a:solidFill>
+                  </a:tcPr>
+                </a:tc>
+                <a:tc>
+                  <a:txBody>
+                    <a:bodyPr/>
+                    <a:lstStyle/>
+                    <a:p>
+                      <a:pPr algn="ctr"/>
+                      <a:r>
+                        <a:rPr lang="en-US" altLang="zh-CN" dirty="0">
+                          <a:solidFill>
+                            <a:schemeClr val="tx1"/>
+                          </a:solidFill>
+                        </a:rPr>
+                        <a:t>2</a:t>
+                      </a:r>
+                      <a:endParaRPr lang="zh-CN" altLang="en-US" dirty="0">
+                        <a:solidFill>
+                          <a:schemeClr val="tx1"/>
+                        </a:solidFill>
+                      </a:endParaRPr>
+                    </a:p>
+                  </a:txBody>
+                  <a:tcPr>
+                    <a:solidFill>
+                      <a:schemeClr val="accent6"/>
+                    </a:solidFill>
+                  </a:tcPr>
+                </a:tc>
+                <a:tc>
+                  <a:txBody>
+                    <a:bodyPr/>
+                    <a:lstStyle/>
+                    <a:p>
+                      <a:pPr algn="ctr"/>
+                      <a:r>
+                        <a:rPr lang="en-US" altLang="zh-CN" dirty="0">
+                          <a:solidFill>
+                            <a:schemeClr val="tx1"/>
+                          </a:solidFill>
+                        </a:rPr>
+                        <a:t>3</a:t>
+                      </a:r>
+                      <a:endParaRPr lang="zh-CN" altLang="en-US" dirty="0">
+                        <a:solidFill>
+                          <a:schemeClr val="tx1"/>
+                        </a:solidFill>
+                      </a:endParaRPr>
+                    </a:p>
+                  </a:txBody>
+                  <a:tcPr>
+                    <a:solidFill>
+                      <a:schemeClr val="accent6"/>
+                    </a:solidFill>
+                  </a:tcPr>
+                </a:tc>
+                <a:tc>
+                  <a:txBody>
+                    <a:bodyPr/>
+                    <a:lstStyle/>
+                    <a:p>
+                      <a:pPr algn="ctr"/>
+                      <a:r>
+                        <a:rPr lang="en-US" altLang="zh-CN" dirty="0">
+                          <a:solidFill>
+                            <a:schemeClr val="tx1"/>
+                          </a:solidFill>
+                        </a:rPr>
+                        <a:t>4</a:t>
+                      </a:r>
+                      <a:endParaRPr lang="zh-CN" altLang="en-US" dirty="0">
+                        <a:solidFill>
+                          <a:schemeClr val="tx1"/>
+                        </a:solidFill>
+                      </a:endParaRPr>
+                    </a:p>
+                  </a:txBody>
+                  <a:tcPr>
+                    <a:solidFill>
+                      <a:schemeClr val="accent6"/>
+                    </a:solidFill>
+                  </a:tcPr>
+                </a:tc>
+                <a:tc>
+                  <a:txBody>
+                    <a:bodyPr/>
+                    <a:lstStyle/>
+                    <a:p>
+                      <a:pPr algn="ctr"/>
+                      <a:r>
+                        <a:rPr lang="en-US" altLang="zh-CN" dirty="0">
+                          <a:solidFill>
+                            <a:schemeClr val="tx1"/>
+                          </a:solidFill>
+                        </a:rPr>
+                        <a:t>5</a:t>
+                      </a:r>
+                      <a:endParaRPr lang="zh-CN" altLang="en-US" dirty="0">
+                        <a:solidFill>
+                          <a:schemeClr val="tx1"/>
+                        </a:solidFill>
+                      </a:endParaRPr>
+                    </a:p>
+                  </a:txBody>
+                  <a:tcPr>
+                    <a:solidFill>
+                      <a:srgbClr val="FF0000"/>
+                    </a:solidFill>
+                  </a:tcPr>
+                </a:tc>
+                <a:extLst>
+                  <a:ext uri="{0D108BD9-81ED-4DB2-BD59-A6C34878D82A}">
+                    <a16:rowId xmlns:a16="http://schemas.microsoft.com/office/drawing/2014/main" val="264992108"/>
+                  </a:ext>
+                </a:extLst>
+              </a:tr>
+            </a:tbl>
+          </a:graphicData>
+        </a:graphic>
+      </p:graphicFrame>
+      <p:graphicFrame>
+        <p:nvGraphicFramePr>
+          <p:cNvPr id="32" name="表格 2">
+            <a:extLst>
+              <a:ext uri="{FF2B5EF4-FFF2-40B4-BE49-F238E27FC236}">
+                <a16:creationId xmlns:a16="http://schemas.microsoft.com/office/drawing/2014/main" id="{EF0F4EAB-0706-9F4E-880D-D320472C04E6}"/>
+              </a:ext>
+            </a:extLst>
+          </p:cNvPr>
+          <p:cNvGraphicFramePr>
+            <a:graphicFrameLocks noGrp="1"/>
+          </p:cNvGraphicFramePr>
+          <p:nvPr>
+            <p:extLst>
+              <p:ext uri="{D42A27DB-BD31-4B8C-83A1-F6EECF244321}">
+                <p14:modId xmlns:p14="http://schemas.microsoft.com/office/powerpoint/2010/main" val="2041634838"/>
+              </p:ext>
+            </p:extLst>
+          </p:nvPr>
+        </p:nvGraphicFramePr>
+        <p:xfrm>
+          <a:off x="8796372" y="4427052"/>
+          <a:ext cx="337111" cy="370840"/>
+        </p:xfrm>
+        <a:graphic>
+          <a:graphicData uri="http://schemas.openxmlformats.org/drawingml/2006/table">
+            <a:tbl>
+              <a:tblPr firstRow="1" bandRow="1">
+                <a:tableStyleId>{21E4AEA4-8DFA-4A89-87EB-49C32662AFE0}</a:tableStyleId>
+              </a:tblPr>
+              <a:tblGrid>
+                <a:gridCol w="337111">
+                  <a:extLst>
+                    <a:ext uri="{9D8B030D-6E8A-4147-A177-3AD203B41FA5}">
+                      <a16:colId xmlns:a16="http://schemas.microsoft.com/office/drawing/2014/main" val="2949065674"/>
+                    </a:ext>
+                  </a:extLst>
+                </a:gridCol>
+              </a:tblGrid>
+              <a:tr h="370840">
+                <a:tc>
+                  <a:txBody>
+                    <a:bodyPr/>
+                    <a:lstStyle/>
+                    <a:p>
+                      <a:pPr algn="ctr"/>
+                      <a:r>
+                        <a:rPr lang="en-US" altLang="zh-CN" dirty="0">
+                          <a:solidFill>
+                            <a:schemeClr val="tx1"/>
+                          </a:solidFill>
+                        </a:rPr>
+                        <a:t>6</a:t>
+                      </a:r>
+                      <a:endParaRPr lang="zh-CN" altLang="en-US" dirty="0">
+                        <a:solidFill>
+                          <a:schemeClr val="tx1"/>
+                        </a:solidFill>
+                      </a:endParaRPr>
+                    </a:p>
+                  </a:txBody>
+                  <a:tcPr>
+                    <a:solidFill>
+                      <a:schemeClr val="accent1"/>
+                    </a:solidFill>
+                  </a:tcPr>
+                </a:tc>
+                <a:extLst>
+                  <a:ext uri="{0D108BD9-81ED-4DB2-BD59-A6C34878D82A}">
+                    <a16:rowId xmlns:a16="http://schemas.microsoft.com/office/drawing/2014/main" val="264992108"/>
+                  </a:ext>
+                </a:extLst>
+              </a:tr>
+            </a:tbl>
+          </a:graphicData>
+        </a:graphic>
+      </p:graphicFrame>
+      <p:sp>
+        <p:nvSpPr>
+          <p:cNvPr id="33" name="右大括号 32">
+            <a:extLst>
+              <a:ext uri="{FF2B5EF4-FFF2-40B4-BE49-F238E27FC236}">
+                <a16:creationId xmlns:a16="http://schemas.microsoft.com/office/drawing/2014/main" id="{E8DAF28F-492A-984D-A850-E36AB63E84B5}"/>
+              </a:ext>
+            </a:extLst>
+          </p:cNvPr>
+          <p:cNvSpPr/>
+          <p:nvPr/>
+        </p:nvSpPr>
+        <p:spPr>
+          <a:xfrm rot="16200000">
+            <a:off x="6869192" y="2172702"/>
+            <a:ext cx="419100" cy="4025402"/>
+          </a:xfrm>
+          <a:prstGeom prst="rightBrace">
+            <a:avLst/>
+          </a:prstGeom>
+        </p:spPr>
+        <p:style>
+          <a:lnRef idx="1">
+            <a:schemeClr val="accent1"/>
+          </a:lnRef>
+          <a:fillRef idx="0">
+            <a:schemeClr val="accent1"/>
+          </a:fillRef>
+          <a:effectRef idx="0">
+            <a:schemeClr val="accent1"/>
+          </a:effectRef>
+          <a:fontRef idx="minor">
+            <a:schemeClr val="tx1"/>
+          </a:fontRef>
+        </p:style>
+        <p:txBody>
+          <a:bodyPr rtlCol="0" anchor="ctr"/>
+          <a:lstStyle/>
+          <a:p>
+            <a:pPr algn="ctr"/>
+            <a:endParaRPr kumimoji="1" lang="zh-CN" altLang="en-US"/>
+          </a:p>
+        </p:txBody>
+      </p:sp>
+      <p:sp>
+        <p:nvSpPr>
+          <p:cNvPr id="34" name="文本框 33">
+            <a:extLst>
+              <a:ext uri="{FF2B5EF4-FFF2-40B4-BE49-F238E27FC236}">
+                <a16:creationId xmlns:a16="http://schemas.microsoft.com/office/drawing/2014/main" id="{B571CFCC-7926-0E47-8EF7-E0B4CE43C54C}"/>
+              </a:ext>
+            </a:extLst>
+          </p:cNvPr>
+          <p:cNvSpPr txBox="1"/>
+          <p:nvPr/>
+        </p:nvSpPr>
+        <p:spPr>
+          <a:xfrm>
+            <a:off x="6024383" y="3577078"/>
+            <a:ext cx="2159566" cy="369332"/>
+          </a:xfrm>
+          <a:prstGeom prst="rect">
+            <a:avLst/>
+          </a:prstGeom>
+          <a:noFill/>
+        </p:spPr>
+        <p:txBody>
+          <a:bodyPr wrap="none" rtlCol="0">
+            <a:spAutoFit/>
+          </a:bodyPr>
+          <a:lstStyle/>
+          <a:p>
+            <a:r>
+              <a:rPr kumimoji="1" lang="en-US" altLang="zh-CN" dirty="0"/>
+              <a:t>Next[</a:t>
+            </a:r>
+            <a:r>
+              <a:rPr kumimoji="1" lang="en-US" altLang="zh-CN" dirty="0" err="1"/>
+              <a:t>len</a:t>
+            </a:r>
+            <a:r>
+              <a:rPr kumimoji="1" lang="en-US" altLang="zh-CN" dirty="0"/>
+              <a:t>(s’)-1]=k1</a:t>
+            </a:r>
+            <a:endParaRPr kumimoji="1" lang="zh-CN" altLang="en-US" dirty="0"/>
+          </a:p>
+        </p:txBody>
+      </p:sp>
+      <p:sp>
+        <p:nvSpPr>
+          <p:cNvPr id="35" name="右大括号 34">
+            <a:extLst>
+              <a:ext uri="{FF2B5EF4-FFF2-40B4-BE49-F238E27FC236}">
+                <a16:creationId xmlns:a16="http://schemas.microsoft.com/office/drawing/2014/main" id="{D1DD72D0-21C2-BD47-ADDB-B0E3312A5CFB}"/>
+              </a:ext>
+            </a:extLst>
+          </p:cNvPr>
+          <p:cNvSpPr/>
+          <p:nvPr/>
+        </p:nvSpPr>
+        <p:spPr>
+          <a:xfrm rot="16200000">
+            <a:off x="4439141" y="3773567"/>
+            <a:ext cx="419100" cy="823671"/>
+          </a:xfrm>
+          <a:prstGeom prst="rightBrace">
+            <a:avLst>
+              <a:gd name="adj1" fmla="val 8333"/>
+              <a:gd name="adj2" fmla="val 48724"/>
+            </a:avLst>
+          </a:prstGeom>
+        </p:spPr>
+        <p:style>
+          <a:lnRef idx="1">
+            <a:schemeClr val="accent1"/>
+          </a:lnRef>
+          <a:fillRef idx="0">
+            <a:schemeClr val="accent1"/>
+          </a:fillRef>
+          <a:effectRef idx="0">
+            <a:schemeClr val="accent1"/>
+          </a:effectRef>
+          <a:fontRef idx="minor">
+            <a:schemeClr val="tx1"/>
+          </a:fontRef>
+        </p:style>
+        <p:txBody>
+          <a:bodyPr rtlCol="0" anchor="ctr"/>
+          <a:lstStyle/>
+          <a:p>
+            <a:pPr algn="ctr"/>
+            <a:endParaRPr kumimoji="1" lang="zh-CN" altLang="en-US"/>
+          </a:p>
+        </p:txBody>
+      </p:sp>
+      <p:sp>
+        <p:nvSpPr>
+          <p:cNvPr id="36" name="文本框 35">
+            <a:extLst>
+              <a:ext uri="{FF2B5EF4-FFF2-40B4-BE49-F238E27FC236}">
+                <a16:creationId xmlns:a16="http://schemas.microsoft.com/office/drawing/2014/main" id="{D2FC8DAC-FBDF-2D47-8E4F-5E2ED8792DBE}"/>
+              </a:ext>
+            </a:extLst>
+          </p:cNvPr>
+          <p:cNvSpPr txBox="1"/>
+          <p:nvPr/>
+        </p:nvSpPr>
+        <p:spPr>
+          <a:xfrm>
+            <a:off x="4181255" y="3618070"/>
+            <a:ext cx="1287532" cy="369332"/>
+          </a:xfrm>
+          <a:prstGeom prst="rect">
+            <a:avLst/>
+          </a:prstGeom>
+          <a:noFill/>
+        </p:spPr>
+        <p:txBody>
+          <a:bodyPr wrap="none" rtlCol="0">
+            <a:spAutoFit/>
+          </a:bodyPr>
+          <a:lstStyle/>
+          <a:p>
+            <a:r>
+              <a:rPr kumimoji="1" lang="en-US" altLang="zh-CN" dirty="0" err="1"/>
+              <a:t>len</a:t>
+            </a:r>
+            <a:r>
+              <a:rPr kumimoji="1" lang="en-US" altLang="zh-CN" dirty="0"/>
+              <a:t>(s’)-k1</a:t>
+            </a:r>
+            <a:endParaRPr kumimoji="1" lang="zh-CN" altLang="en-US" dirty="0"/>
+          </a:p>
+        </p:txBody>
+      </p:sp>
+      <p:sp>
+        <p:nvSpPr>
+          <p:cNvPr id="37" name="矩形 36">
+            <a:extLst>
+              <a:ext uri="{FF2B5EF4-FFF2-40B4-BE49-F238E27FC236}">
+                <a16:creationId xmlns:a16="http://schemas.microsoft.com/office/drawing/2014/main" id="{DB402D30-5C05-904E-AA95-A4C103E6AEF9}"/>
+              </a:ext>
+            </a:extLst>
+          </p:cNvPr>
+          <p:cNvSpPr/>
+          <p:nvPr/>
+        </p:nvSpPr>
+        <p:spPr>
+          <a:xfrm>
+            <a:off x="3469862" y="4409990"/>
+            <a:ext cx="510076" cy="369332"/>
+          </a:xfrm>
+          <a:prstGeom prst="rect">
+            <a:avLst/>
+          </a:prstGeom>
+        </p:spPr>
+        <p:txBody>
+          <a:bodyPr wrap="none">
+            <a:spAutoFit/>
+          </a:bodyPr>
+          <a:lstStyle/>
+          <a:p>
+            <a:r>
+              <a:rPr lang="en" altLang="zh-CN" dirty="0"/>
+              <a:t>s</a:t>
+            </a:r>
+            <a:r>
+              <a:rPr lang="en-US" altLang="zh-CN" dirty="0"/>
+              <a:t>’</a:t>
+            </a:r>
+            <a:endParaRPr lang="zh-CN" altLang="en-US" dirty="0"/>
+          </a:p>
+        </p:txBody>
+      </p:sp>
+      <p:graphicFrame>
+        <p:nvGraphicFramePr>
+          <p:cNvPr id="38" name="表格 2">
+            <a:extLst>
+              <a:ext uri="{FF2B5EF4-FFF2-40B4-BE49-F238E27FC236}">
+                <a16:creationId xmlns:a16="http://schemas.microsoft.com/office/drawing/2014/main" id="{61CF1115-D518-EB40-A7C3-78D953F3EAF5}"/>
+              </a:ext>
+            </a:extLst>
+          </p:cNvPr>
+          <p:cNvGraphicFramePr>
+            <a:graphicFrameLocks noGrp="1"/>
+          </p:cNvGraphicFramePr>
+          <p:nvPr>
+            <p:extLst>
+              <p:ext uri="{D42A27DB-BD31-4B8C-83A1-F6EECF244321}">
+                <p14:modId xmlns:p14="http://schemas.microsoft.com/office/powerpoint/2010/main" val="4011341294"/>
+              </p:ext>
+            </p:extLst>
+          </p:nvPr>
+        </p:nvGraphicFramePr>
+        <p:xfrm>
+          <a:off x="4242372" y="5981060"/>
+          <a:ext cx="4050000" cy="370840"/>
+        </p:xfrm>
+        <a:graphic>
+          <a:graphicData uri="http://schemas.openxmlformats.org/drawingml/2006/table">
+            <a:tbl>
+              <a:tblPr firstRow="1" bandRow="1">
+                <a:tableStyleId>{21E4AEA4-8DFA-4A89-87EB-49C32662AFE0}</a:tableStyleId>
+              </a:tblPr>
+              <a:tblGrid>
+                <a:gridCol w="810000">
+                  <a:extLst>
+                    <a:ext uri="{9D8B030D-6E8A-4147-A177-3AD203B41FA5}">
+                      <a16:colId xmlns:a16="http://schemas.microsoft.com/office/drawing/2014/main" val="28619434"/>
+                    </a:ext>
+                  </a:extLst>
+                </a:gridCol>
+                <a:gridCol w="810000">
+                  <a:extLst>
+                    <a:ext uri="{9D8B030D-6E8A-4147-A177-3AD203B41FA5}">
+                      <a16:colId xmlns:a16="http://schemas.microsoft.com/office/drawing/2014/main" val="1419486052"/>
+                    </a:ext>
+                  </a:extLst>
+                </a:gridCol>
+                <a:gridCol w="810000">
+                  <a:extLst>
+                    <a:ext uri="{9D8B030D-6E8A-4147-A177-3AD203B41FA5}">
+                      <a16:colId xmlns:a16="http://schemas.microsoft.com/office/drawing/2014/main" val="3893012179"/>
+                    </a:ext>
+                  </a:extLst>
+                </a:gridCol>
+                <a:gridCol w="810000">
+                  <a:extLst>
+                    <a:ext uri="{9D8B030D-6E8A-4147-A177-3AD203B41FA5}">
+                      <a16:colId xmlns:a16="http://schemas.microsoft.com/office/drawing/2014/main" val="2189662055"/>
+                    </a:ext>
+                  </a:extLst>
+                </a:gridCol>
+                <a:gridCol w="810000">
+                  <a:extLst>
+                    <a:ext uri="{9D8B030D-6E8A-4147-A177-3AD203B41FA5}">
+                      <a16:colId xmlns:a16="http://schemas.microsoft.com/office/drawing/2014/main" val="1495378164"/>
+                    </a:ext>
+                  </a:extLst>
+                </a:gridCol>
+              </a:tblGrid>
+              <a:tr h="370840">
+                <a:tc>
+                  <a:txBody>
+                    <a:bodyPr/>
+                    <a:lstStyle/>
+                    <a:p>
+                      <a:pPr algn="ctr"/>
+                      <a:r>
+                        <a:rPr lang="en-US" altLang="zh-CN" dirty="0">
+                          <a:solidFill>
+                            <a:schemeClr val="tx1"/>
+                          </a:solidFill>
+                        </a:rPr>
+                        <a:t>0</a:t>
+                      </a:r>
+                      <a:endParaRPr lang="zh-CN" altLang="en-US" dirty="0">
+                        <a:solidFill>
+                          <a:schemeClr val="tx1"/>
+                        </a:solidFill>
+                      </a:endParaRPr>
+                    </a:p>
+                  </a:txBody>
+                  <a:tcPr>
+                    <a:solidFill>
+                      <a:schemeClr val="accent2"/>
+                    </a:solidFill>
+                  </a:tcPr>
+                </a:tc>
+                <a:tc>
+                  <a:txBody>
+                    <a:bodyPr/>
+                    <a:lstStyle/>
+                    <a:p>
+                      <a:pPr algn="ctr"/>
+                      <a:r>
+                        <a:rPr lang="en-US" altLang="zh-CN" dirty="0">
+                          <a:solidFill>
+                            <a:schemeClr val="tx1"/>
+                          </a:solidFill>
+                        </a:rPr>
+                        <a:t>1</a:t>
+                      </a:r>
+                      <a:endParaRPr lang="zh-CN" altLang="en-US" dirty="0">
+                        <a:solidFill>
+                          <a:schemeClr val="tx1"/>
+                        </a:solidFill>
+                      </a:endParaRPr>
+                    </a:p>
+                  </a:txBody>
+                  <a:tcPr>
+                    <a:solidFill>
+                      <a:schemeClr val="accent6"/>
+                    </a:solidFill>
+                  </a:tcPr>
+                </a:tc>
+                <a:tc>
+                  <a:txBody>
+                    <a:bodyPr/>
+                    <a:lstStyle/>
+                    <a:p>
+                      <a:pPr algn="ctr"/>
+                      <a:r>
+                        <a:rPr lang="en-US" altLang="zh-CN" dirty="0">
+                          <a:solidFill>
+                            <a:schemeClr val="tx1"/>
+                          </a:solidFill>
+                        </a:rPr>
+                        <a:t>2</a:t>
+                      </a:r>
+                      <a:endParaRPr lang="zh-CN" altLang="en-US" dirty="0">
+                        <a:solidFill>
+                          <a:schemeClr val="tx1"/>
+                        </a:solidFill>
+                      </a:endParaRPr>
+                    </a:p>
+                  </a:txBody>
+                  <a:tcPr>
+                    <a:solidFill>
+                      <a:schemeClr val="accent6"/>
+                    </a:solidFill>
+                  </a:tcPr>
+                </a:tc>
+                <a:tc>
+                  <a:txBody>
+                    <a:bodyPr/>
+                    <a:lstStyle/>
+                    <a:p>
+                      <a:pPr algn="ctr"/>
+                      <a:r>
+                        <a:rPr lang="en-US" altLang="zh-CN" dirty="0">
+                          <a:solidFill>
+                            <a:schemeClr val="tx1"/>
+                          </a:solidFill>
+                        </a:rPr>
+                        <a:t>3</a:t>
+                      </a:r>
+                      <a:endParaRPr lang="zh-CN" altLang="en-US" dirty="0">
+                        <a:solidFill>
+                          <a:schemeClr val="tx1"/>
+                        </a:solidFill>
+                      </a:endParaRPr>
+                    </a:p>
+                  </a:txBody>
+                  <a:tcPr>
+                    <a:solidFill>
+                      <a:schemeClr val="accent6"/>
+                    </a:solidFill>
+                  </a:tcPr>
+                </a:tc>
+                <a:tc>
+                  <a:txBody>
+                    <a:bodyPr/>
+                    <a:lstStyle/>
+                    <a:p>
+                      <a:pPr algn="ctr"/>
+                      <a:r>
+                        <a:rPr lang="en-US" altLang="zh-CN" dirty="0">
+                          <a:solidFill>
+                            <a:schemeClr val="tx1"/>
+                          </a:solidFill>
+                        </a:rPr>
+                        <a:t>4</a:t>
+                      </a:r>
+                      <a:endParaRPr lang="zh-CN" altLang="en-US" dirty="0">
+                        <a:solidFill>
+                          <a:schemeClr val="tx1"/>
+                        </a:solidFill>
+                      </a:endParaRPr>
+                    </a:p>
+                  </a:txBody>
+                  <a:tcPr>
+                    <a:solidFill>
+                      <a:schemeClr val="accent6"/>
+                    </a:solidFill>
+                  </a:tcPr>
+                </a:tc>
+                <a:extLst>
+                  <a:ext uri="{0D108BD9-81ED-4DB2-BD59-A6C34878D82A}">
+                    <a16:rowId xmlns:a16="http://schemas.microsoft.com/office/drawing/2014/main" val="264992108"/>
+                  </a:ext>
+                </a:extLst>
+              </a:tr>
+            </a:tbl>
+          </a:graphicData>
+        </a:graphic>
+      </p:graphicFrame>
+      <p:graphicFrame>
+        <p:nvGraphicFramePr>
+          <p:cNvPr id="39" name="表格 2">
+            <a:extLst>
+              <a:ext uri="{FF2B5EF4-FFF2-40B4-BE49-F238E27FC236}">
+                <a16:creationId xmlns:a16="http://schemas.microsoft.com/office/drawing/2014/main" id="{96FB9F37-D0BF-C442-A061-618DD523185A}"/>
+              </a:ext>
+            </a:extLst>
+          </p:cNvPr>
+          <p:cNvGraphicFramePr>
+            <a:graphicFrameLocks noGrp="1"/>
+          </p:cNvGraphicFramePr>
+          <p:nvPr>
+            <p:extLst>
+              <p:ext uri="{D42A27DB-BD31-4B8C-83A1-F6EECF244321}">
+                <p14:modId xmlns:p14="http://schemas.microsoft.com/office/powerpoint/2010/main" val="3592365243"/>
+              </p:ext>
+            </p:extLst>
+          </p:nvPr>
+        </p:nvGraphicFramePr>
+        <p:xfrm>
+          <a:off x="8796372" y="5994242"/>
+          <a:ext cx="470358" cy="370840"/>
+        </p:xfrm>
+        <a:graphic>
+          <a:graphicData uri="http://schemas.openxmlformats.org/drawingml/2006/table">
+            <a:tbl>
+              <a:tblPr firstRow="1" bandRow="1">
+                <a:tableStyleId>{21E4AEA4-8DFA-4A89-87EB-49C32662AFE0}</a:tableStyleId>
+              </a:tblPr>
+              <a:tblGrid>
+                <a:gridCol w="470358">
+                  <a:extLst>
+                    <a:ext uri="{9D8B030D-6E8A-4147-A177-3AD203B41FA5}">
+                      <a16:colId xmlns:a16="http://schemas.microsoft.com/office/drawing/2014/main" val="2949065674"/>
+                    </a:ext>
+                  </a:extLst>
+                </a:gridCol>
+              </a:tblGrid>
+              <a:tr h="370840">
+                <a:tc>
+                  <a:txBody>
+                    <a:bodyPr/>
+                    <a:lstStyle/>
+                    <a:p>
+                      <a:pPr algn="ctr"/>
+                      <a:r>
+                        <a:rPr lang="en-US" altLang="zh-CN" dirty="0">
+                          <a:solidFill>
+                            <a:schemeClr val="tx1"/>
+                          </a:solidFill>
+                        </a:rPr>
+                        <a:t>5</a:t>
+                      </a:r>
+                      <a:endParaRPr lang="zh-CN" altLang="en-US" dirty="0">
+                        <a:solidFill>
+                          <a:schemeClr val="tx1"/>
+                        </a:solidFill>
+                      </a:endParaRPr>
+                    </a:p>
+                  </a:txBody>
+                  <a:tcPr>
+                    <a:solidFill>
+                      <a:srgbClr val="FF0000"/>
+                    </a:solidFill>
+                  </a:tcPr>
+                </a:tc>
+                <a:extLst>
+                  <a:ext uri="{0D108BD9-81ED-4DB2-BD59-A6C34878D82A}">
+                    <a16:rowId xmlns:a16="http://schemas.microsoft.com/office/drawing/2014/main" val="264992108"/>
+                  </a:ext>
+                </a:extLst>
+              </a:tr>
+            </a:tbl>
+          </a:graphicData>
+        </a:graphic>
+      </p:graphicFrame>
+      <p:sp>
+        <p:nvSpPr>
+          <p:cNvPr id="40" name="右大括号 39">
+            <a:extLst>
+              <a:ext uri="{FF2B5EF4-FFF2-40B4-BE49-F238E27FC236}">
+                <a16:creationId xmlns:a16="http://schemas.microsoft.com/office/drawing/2014/main" id="{E9E0B389-EC12-9740-9080-BE27152ED663}"/>
+              </a:ext>
+            </a:extLst>
+          </p:cNvPr>
+          <p:cNvSpPr/>
+          <p:nvPr/>
+        </p:nvSpPr>
+        <p:spPr>
+          <a:xfrm rot="16200000">
+            <a:off x="6438351" y="4159100"/>
+            <a:ext cx="419100" cy="3163717"/>
+          </a:xfrm>
+          <a:prstGeom prst="rightBrace">
+            <a:avLst/>
+          </a:prstGeom>
+        </p:spPr>
+        <p:style>
+          <a:lnRef idx="1">
+            <a:schemeClr val="accent1"/>
+          </a:lnRef>
+          <a:fillRef idx="0">
+            <a:schemeClr val="accent1"/>
+          </a:fillRef>
+          <a:effectRef idx="0">
+            <a:schemeClr val="accent1"/>
+          </a:effectRef>
+          <a:fontRef idx="minor">
+            <a:schemeClr val="tx1"/>
+          </a:fontRef>
+        </p:style>
+        <p:txBody>
+          <a:bodyPr rtlCol="0" anchor="ctr"/>
+          <a:lstStyle/>
+          <a:p>
+            <a:pPr algn="ctr"/>
+            <a:endParaRPr kumimoji="1" lang="zh-CN" altLang="en-US"/>
+          </a:p>
+        </p:txBody>
+      </p:sp>
+      <p:sp>
+        <p:nvSpPr>
+          <p:cNvPr id="41" name="文本框 40">
+            <a:extLst>
+              <a:ext uri="{FF2B5EF4-FFF2-40B4-BE49-F238E27FC236}">
+                <a16:creationId xmlns:a16="http://schemas.microsoft.com/office/drawing/2014/main" id="{C9CF09BE-814D-1743-96B4-1BD0C68CFB16}"/>
+              </a:ext>
+            </a:extLst>
+          </p:cNvPr>
+          <p:cNvSpPr txBox="1"/>
+          <p:nvPr/>
+        </p:nvSpPr>
+        <p:spPr>
+          <a:xfrm>
+            <a:off x="6024383" y="5132634"/>
+            <a:ext cx="2281394" cy="369332"/>
+          </a:xfrm>
+          <a:prstGeom prst="rect">
+            <a:avLst/>
+          </a:prstGeom>
+          <a:noFill/>
+        </p:spPr>
+        <p:txBody>
+          <a:bodyPr wrap="none" rtlCol="0">
+            <a:spAutoFit/>
+          </a:bodyPr>
+          <a:lstStyle/>
+          <a:p>
+            <a:r>
+              <a:rPr kumimoji="1" lang="en-US" altLang="zh-CN" dirty="0"/>
+              <a:t>Next[</a:t>
+            </a:r>
+            <a:r>
+              <a:rPr kumimoji="1" lang="en-US" altLang="zh-CN" dirty="0" err="1"/>
+              <a:t>len</a:t>
+            </a:r>
+            <a:r>
+              <a:rPr kumimoji="1" lang="en-US" altLang="zh-CN" dirty="0"/>
+              <a:t>(s2’)-1]=k2</a:t>
+            </a:r>
+            <a:endParaRPr kumimoji="1" lang="zh-CN" altLang="en-US" dirty="0"/>
+          </a:p>
+        </p:txBody>
+      </p:sp>
+      <p:sp>
+        <p:nvSpPr>
+          <p:cNvPr id="42" name="右大括号 41">
+            <a:extLst>
+              <a:ext uri="{FF2B5EF4-FFF2-40B4-BE49-F238E27FC236}">
+                <a16:creationId xmlns:a16="http://schemas.microsoft.com/office/drawing/2014/main" id="{F3158F44-D369-6C45-A890-7B8CBB42885B}"/>
+              </a:ext>
+            </a:extLst>
+          </p:cNvPr>
+          <p:cNvSpPr/>
+          <p:nvPr/>
+        </p:nvSpPr>
+        <p:spPr>
+          <a:xfrm rot="16200000">
+            <a:off x="4439141" y="5329123"/>
+            <a:ext cx="419100" cy="823671"/>
+          </a:xfrm>
+          <a:prstGeom prst="rightBrace">
+            <a:avLst>
+              <a:gd name="adj1" fmla="val 8333"/>
+              <a:gd name="adj2" fmla="val 48724"/>
+            </a:avLst>
+          </a:prstGeom>
+        </p:spPr>
+        <p:style>
+          <a:lnRef idx="1">
+            <a:schemeClr val="accent1"/>
+          </a:lnRef>
+          <a:fillRef idx="0">
+            <a:schemeClr val="accent1"/>
+          </a:fillRef>
+          <a:effectRef idx="0">
+            <a:schemeClr val="accent1"/>
+          </a:effectRef>
+          <a:fontRef idx="minor">
+            <a:schemeClr val="tx1"/>
+          </a:fontRef>
+        </p:style>
+        <p:txBody>
+          <a:bodyPr rtlCol="0" anchor="ctr"/>
+          <a:lstStyle/>
+          <a:p>
+            <a:pPr algn="ctr"/>
+            <a:endParaRPr kumimoji="1" lang="zh-CN" altLang="en-US"/>
+          </a:p>
+        </p:txBody>
+      </p:sp>
+      <p:sp>
+        <p:nvSpPr>
+          <p:cNvPr id="43" name="文本框 42">
+            <a:extLst>
+              <a:ext uri="{FF2B5EF4-FFF2-40B4-BE49-F238E27FC236}">
+                <a16:creationId xmlns:a16="http://schemas.microsoft.com/office/drawing/2014/main" id="{C4D5142D-56D0-FB45-969A-9C1A6E2B4F69}"/>
+              </a:ext>
+            </a:extLst>
+          </p:cNvPr>
+          <p:cNvSpPr txBox="1"/>
+          <p:nvPr/>
+        </p:nvSpPr>
+        <p:spPr>
+          <a:xfrm>
+            <a:off x="4181255" y="5173626"/>
+            <a:ext cx="1409360" cy="369332"/>
+          </a:xfrm>
+          <a:prstGeom prst="rect">
+            <a:avLst/>
+          </a:prstGeom>
+          <a:noFill/>
+        </p:spPr>
+        <p:txBody>
+          <a:bodyPr wrap="none" rtlCol="0">
+            <a:spAutoFit/>
+          </a:bodyPr>
+          <a:lstStyle/>
+          <a:p>
+            <a:r>
+              <a:rPr kumimoji="1" lang="en-US" altLang="zh-CN" dirty="0" err="1"/>
+              <a:t>len</a:t>
+            </a:r>
+            <a:r>
+              <a:rPr kumimoji="1" lang="en-US" altLang="zh-CN" dirty="0"/>
+              <a:t>(s2’)-k2</a:t>
+            </a:r>
+            <a:endParaRPr kumimoji="1" lang="zh-CN" altLang="en-US" dirty="0"/>
+          </a:p>
+        </p:txBody>
+      </p:sp>
+      <p:sp>
+        <p:nvSpPr>
+          <p:cNvPr id="44" name="矩形 43">
+            <a:extLst>
+              <a:ext uri="{FF2B5EF4-FFF2-40B4-BE49-F238E27FC236}">
+                <a16:creationId xmlns:a16="http://schemas.microsoft.com/office/drawing/2014/main" id="{B2653FE5-CA22-9A4D-BAFB-8586D1C9CB3E}"/>
+              </a:ext>
+            </a:extLst>
+          </p:cNvPr>
+          <p:cNvSpPr/>
+          <p:nvPr/>
+        </p:nvSpPr>
+        <p:spPr>
+          <a:xfrm>
+            <a:off x="3469862" y="5965546"/>
+            <a:ext cx="631904" cy="369332"/>
+          </a:xfrm>
+          <a:prstGeom prst="rect">
+            <a:avLst/>
+          </a:prstGeom>
+        </p:spPr>
+        <p:txBody>
+          <a:bodyPr wrap="none">
+            <a:spAutoFit/>
+          </a:bodyPr>
+          <a:lstStyle/>
+          <a:p>
+            <a:r>
+              <a:rPr lang="en" altLang="zh-CN" dirty="0"/>
+              <a:t>s</a:t>
+            </a:r>
+            <a:r>
+              <a:rPr lang="en-US" altLang="zh-CN" dirty="0"/>
+              <a:t>2’</a:t>
+            </a:r>
+            <a:endParaRPr lang="zh-CN" altLang="en-US" dirty="0"/>
+          </a:p>
+        </p:txBody>
+      </p:sp>
+    </p:spTree>
+    <p:extLst>
+      <p:ext uri="{BB962C8B-B14F-4D97-AF65-F5344CB8AC3E}">
+        <p14:creationId xmlns:p14="http://schemas.microsoft.com/office/powerpoint/2010/main" val="2528934341"/>
+      </p:ext>
+    </p:extLst>
+  </p:cSld>
+  <p:clrMapOvr>
+    <a:masterClrMapping/>
+  </p:clrMapOvr>
+</p:sld>
+</file>
+
 <file path=ppt/theme/theme1.xml><?xml version="1.0" encoding="utf-8"?>
 <a:theme xmlns:a="http://schemas.openxmlformats.org/drawingml/2006/main" name="Office 主题​​">
   <a:themeElements>
